--- a/CompetitiveAnalysisPortfolios.pptx
+++ b/CompetitiveAnalysisPortfolios.pptx
@@ -11,6 +11,16 @@
     <p:sldId id="259" r:id="rId5"/>
     <p:sldId id="260" r:id="rId6"/>
     <p:sldId id="261" r:id="rId7"/>
+    <p:sldId id="262" r:id="rId8"/>
+    <p:sldId id="263" r:id="rId9"/>
+    <p:sldId id="264" r:id="rId10"/>
+    <p:sldId id="265" r:id="rId11"/>
+    <p:sldId id="266" r:id="rId12"/>
+    <p:sldId id="267" r:id="rId13"/>
+    <p:sldId id="268" r:id="rId14"/>
+    <p:sldId id="269" r:id="rId15"/>
+    <p:sldId id="270" r:id="rId16"/>
+    <p:sldId id="271" r:id="rId17"/>
   </p:sldIdLst>
   <p:sldSz cx="9144000" cy="6858000" type="screen4x3"/>
   <p:notesSz cx="6858000" cy="9144000"/>
@@ -293,6 +303,7 @@
           <a:p>
             <a:fld id="{4C278061-957D-48A4-8593-D08597915DC5}" type="datetimeFigureOut">
               <a:rPr lang="en-US" smtClean="0"/>
+              <a:pPr/>
               <a:t>1/19/2012</a:t>
             </a:fld>
             <a:endParaRPr lang="en-US"/>
@@ -335,6 +346,7 @@
           <a:p>
             <a:fld id="{9594AFBF-67A5-4EAE-BA2C-1BDD7A0D1B51}" type="slidenum">
               <a:rPr lang="en-US" smtClean="0"/>
+              <a:pPr/>
               <a:t>‹#›</a:t>
             </a:fld>
             <a:endParaRPr lang="en-US"/>
@@ -458,6 +470,7 @@
           <a:p>
             <a:fld id="{4C278061-957D-48A4-8593-D08597915DC5}" type="datetimeFigureOut">
               <a:rPr lang="en-US" smtClean="0"/>
+              <a:pPr/>
               <a:t>1/19/2012</a:t>
             </a:fld>
             <a:endParaRPr lang="en-US"/>
@@ -500,6 +513,7 @@
           <a:p>
             <a:fld id="{9594AFBF-67A5-4EAE-BA2C-1BDD7A0D1B51}" type="slidenum">
               <a:rPr lang="en-US" smtClean="0"/>
+              <a:pPr/>
               <a:t>‹#›</a:t>
             </a:fld>
             <a:endParaRPr lang="en-US"/>
@@ -633,6 +647,7 @@
           <a:p>
             <a:fld id="{4C278061-957D-48A4-8593-D08597915DC5}" type="datetimeFigureOut">
               <a:rPr lang="en-US" smtClean="0"/>
+              <a:pPr/>
               <a:t>1/19/2012</a:t>
             </a:fld>
             <a:endParaRPr lang="en-US"/>
@@ -675,6 +690,7 @@
           <a:p>
             <a:fld id="{9594AFBF-67A5-4EAE-BA2C-1BDD7A0D1B51}" type="slidenum">
               <a:rPr lang="en-US" smtClean="0"/>
+              <a:pPr/>
               <a:t>‹#›</a:t>
             </a:fld>
             <a:endParaRPr lang="en-US"/>
@@ -798,6 +814,7 @@
           <a:p>
             <a:fld id="{4C278061-957D-48A4-8593-D08597915DC5}" type="datetimeFigureOut">
               <a:rPr lang="en-US" smtClean="0"/>
+              <a:pPr/>
               <a:t>1/19/2012</a:t>
             </a:fld>
             <a:endParaRPr lang="en-US"/>
@@ -840,6 +857,7 @@
           <a:p>
             <a:fld id="{9594AFBF-67A5-4EAE-BA2C-1BDD7A0D1B51}" type="slidenum">
               <a:rPr lang="en-US" smtClean="0"/>
+              <a:pPr/>
               <a:t>‹#›</a:t>
             </a:fld>
             <a:endParaRPr lang="en-US"/>
@@ -1039,6 +1057,7 @@
           <a:p>
             <a:fld id="{4C278061-957D-48A4-8593-D08597915DC5}" type="datetimeFigureOut">
               <a:rPr lang="en-US" smtClean="0"/>
+              <a:pPr/>
               <a:t>1/19/2012</a:t>
             </a:fld>
             <a:endParaRPr lang="en-US"/>
@@ -1081,6 +1100,7 @@
           <a:p>
             <a:fld id="{9594AFBF-67A5-4EAE-BA2C-1BDD7A0D1B51}" type="slidenum">
               <a:rPr lang="en-US" smtClean="0"/>
+              <a:pPr/>
               <a:t>‹#›</a:t>
             </a:fld>
             <a:endParaRPr lang="en-US"/>
@@ -1322,6 +1342,7 @@
           <a:p>
             <a:fld id="{4C278061-957D-48A4-8593-D08597915DC5}" type="datetimeFigureOut">
               <a:rPr lang="en-US" smtClean="0"/>
+              <a:pPr/>
               <a:t>1/19/2012</a:t>
             </a:fld>
             <a:endParaRPr lang="en-US"/>
@@ -1364,6 +1385,7 @@
           <a:p>
             <a:fld id="{9594AFBF-67A5-4EAE-BA2C-1BDD7A0D1B51}" type="slidenum">
               <a:rPr lang="en-US" smtClean="0"/>
+              <a:pPr/>
               <a:t>‹#›</a:t>
             </a:fld>
             <a:endParaRPr lang="en-US"/>
@@ -1739,6 +1761,7 @@
           <a:p>
             <a:fld id="{4C278061-957D-48A4-8593-D08597915DC5}" type="datetimeFigureOut">
               <a:rPr lang="en-US" smtClean="0"/>
+              <a:pPr/>
               <a:t>1/19/2012</a:t>
             </a:fld>
             <a:endParaRPr lang="en-US"/>
@@ -1781,6 +1804,7 @@
           <a:p>
             <a:fld id="{9594AFBF-67A5-4EAE-BA2C-1BDD7A0D1B51}" type="slidenum">
               <a:rPr lang="en-US" smtClean="0"/>
+              <a:pPr/>
               <a:t>‹#›</a:t>
             </a:fld>
             <a:endParaRPr lang="en-US"/>
@@ -1852,6 +1876,7 @@
           <a:p>
             <a:fld id="{4C278061-957D-48A4-8593-D08597915DC5}" type="datetimeFigureOut">
               <a:rPr lang="en-US" smtClean="0"/>
+              <a:pPr/>
               <a:t>1/19/2012</a:t>
             </a:fld>
             <a:endParaRPr lang="en-US"/>
@@ -1894,6 +1919,7 @@
           <a:p>
             <a:fld id="{9594AFBF-67A5-4EAE-BA2C-1BDD7A0D1B51}" type="slidenum">
               <a:rPr lang="en-US" smtClean="0"/>
+              <a:pPr/>
               <a:t>‹#›</a:t>
             </a:fld>
             <a:endParaRPr lang="en-US"/>
@@ -1942,6 +1968,7 @@
           <a:p>
             <a:fld id="{4C278061-957D-48A4-8593-D08597915DC5}" type="datetimeFigureOut">
               <a:rPr lang="en-US" smtClean="0"/>
+              <a:pPr/>
               <a:t>1/19/2012</a:t>
             </a:fld>
             <a:endParaRPr lang="en-US"/>
@@ -1984,6 +2011,7 @@
           <a:p>
             <a:fld id="{9594AFBF-67A5-4EAE-BA2C-1BDD7A0D1B51}" type="slidenum">
               <a:rPr lang="en-US" smtClean="0"/>
+              <a:pPr/>
               <a:t>‹#›</a:t>
             </a:fld>
             <a:endParaRPr lang="en-US"/>
@@ -2214,6 +2242,7 @@
           <a:p>
             <a:fld id="{4C278061-957D-48A4-8593-D08597915DC5}" type="datetimeFigureOut">
               <a:rPr lang="en-US" smtClean="0"/>
+              <a:pPr/>
               <a:t>1/19/2012</a:t>
             </a:fld>
             <a:endParaRPr lang="en-US"/>
@@ -2256,6 +2285,7 @@
           <a:p>
             <a:fld id="{9594AFBF-67A5-4EAE-BA2C-1BDD7A0D1B51}" type="slidenum">
               <a:rPr lang="en-US" smtClean="0"/>
+              <a:pPr/>
               <a:t>‹#›</a:t>
             </a:fld>
             <a:endParaRPr lang="en-US"/>
@@ -2462,6 +2492,7 @@
           <a:p>
             <a:fld id="{4C278061-957D-48A4-8593-D08597915DC5}" type="datetimeFigureOut">
               <a:rPr lang="en-US" smtClean="0"/>
+              <a:pPr/>
               <a:t>1/19/2012</a:t>
             </a:fld>
             <a:endParaRPr lang="en-US"/>
@@ -2504,6 +2535,7 @@
           <a:p>
             <a:fld id="{9594AFBF-67A5-4EAE-BA2C-1BDD7A0D1B51}" type="slidenum">
               <a:rPr lang="en-US" smtClean="0"/>
+              <a:pPr/>
               <a:t>‹#›</a:t>
             </a:fld>
             <a:endParaRPr lang="en-US"/>
@@ -2670,6 +2702,7 @@
           <a:p>
             <a:fld id="{4C278061-957D-48A4-8593-D08597915DC5}" type="datetimeFigureOut">
               <a:rPr lang="en-US" smtClean="0"/>
+              <a:pPr/>
               <a:t>1/19/2012</a:t>
             </a:fld>
             <a:endParaRPr lang="en-US"/>
@@ -2748,6 +2781,7 @@
           <a:p>
             <a:fld id="{9594AFBF-67A5-4EAE-BA2C-1BDD7A0D1B51}" type="slidenum">
               <a:rPr lang="en-US" smtClean="0"/>
+              <a:pPr/>
               <a:t>‹#›</a:t>
             </a:fld>
             <a:endParaRPr lang="en-US"/>
@@ -3093,6 +3127,1950 @@
 </p:sld>
 </file>
 
+<file path=ppt/slides/slide10.xml><?xml version="1.0" encoding="utf-8"?>
+<p:sld xmlns:a="http://schemas.openxmlformats.org/drawingml/2006/main" xmlns:r="http://schemas.openxmlformats.org/officeDocument/2006/relationships" xmlns:p="http://schemas.openxmlformats.org/presentationml/2006/main">
+  <p:cSld>
+    <p:spTree>
+      <p:nvGrpSpPr>
+        <p:cNvPr id="1" name=""/>
+        <p:cNvGrpSpPr/>
+        <p:nvPr/>
+      </p:nvGrpSpPr>
+      <p:grpSpPr>
+        <a:xfrm>
+          <a:off x="0" y="0"/>
+          <a:ext cx="0" cy="0"/>
+          <a:chOff x="0" y="0"/>
+          <a:chExt cx="0" cy="0"/>
+        </a:xfrm>
+      </p:grpSpPr>
+      <p:sp>
+        <p:nvSpPr>
+          <p:cNvPr id="2" name="Title 1"/>
+          <p:cNvSpPr>
+            <a:spLocks noGrp="1"/>
+          </p:cNvSpPr>
+          <p:nvPr>
+            <p:ph type="title"/>
+          </p:nvPr>
+        </p:nvSpPr>
+        <p:spPr>
+          <a:xfrm>
+            <a:off x="5410200" y="228600"/>
+            <a:ext cx="3008313" cy="533400"/>
+          </a:xfrm>
+        </p:spPr>
+        <p:txBody>
+          <a:bodyPr/>
+          <a:lstStyle/>
+          <a:p>
+            <a:pPr algn="ctr"/>
+            <a:r>
+              <a:rPr lang="en-US" dirty="0" smtClean="0"/>
+              <a:t>Interactivity</a:t>
+            </a:r>
+            <a:endParaRPr lang="en-US" dirty="0"/>
+          </a:p>
+        </p:txBody>
+      </p:sp>
+      <p:pic>
+        <p:nvPicPr>
+          <p:cNvPr id="2051" name="Picture 3" descr="C:\Users\Phil\Pictures\Cogs 187\MuseInteractiviy2.jpg"/>
+          <p:cNvPicPr>
+            <a:picLocks noChangeAspect="1" noChangeArrowheads="1"/>
+          </p:cNvPicPr>
+          <p:nvPr/>
+        </p:nvPicPr>
+        <p:blipFill>
+          <a:blip r:embed="rId2" cstate="print"/>
+          <a:srcRect/>
+          <a:stretch>
+            <a:fillRect/>
+          </a:stretch>
+        </p:blipFill>
+        <p:spPr bwMode="auto">
+          <a:xfrm>
+            <a:off x="152400" y="152400"/>
+            <a:ext cx="4953000" cy="3871913"/>
+          </a:xfrm>
+          <a:prstGeom prst="rect">
+            <a:avLst/>
+          </a:prstGeom>
+          <a:noFill/>
+        </p:spPr>
+      </p:pic>
+      <p:pic>
+        <p:nvPicPr>
+          <p:cNvPr id="2050" name="Picture 2" descr="C:\Users\Phil\Pictures\Cogs 187\MuseInteractiviy1.jpg"/>
+          <p:cNvPicPr>
+            <a:picLocks noChangeAspect="1" noChangeArrowheads="1"/>
+          </p:cNvPicPr>
+          <p:nvPr/>
+        </p:nvPicPr>
+        <p:blipFill>
+          <a:blip r:embed="rId3" cstate="print"/>
+          <a:srcRect l="17183" r="17119"/>
+          <a:stretch>
+            <a:fillRect/>
+          </a:stretch>
+        </p:blipFill>
+        <p:spPr bwMode="auto">
+          <a:xfrm>
+            <a:off x="4038600" y="2819400"/>
+            <a:ext cx="4953000" cy="3871913"/>
+          </a:xfrm>
+          <a:prstGeom prst="rect">
+            <a:avLst/>
+          </a:prstGeom>
+          <a:noFill/>
+        </p:spPr>
+      </p:pic>
+      <p:sp>
+        <p:nvSpPr>
+          <p:cNvPr id="9" name="Text Placeholder 3"/>
+          <p:cNvSpPr>
+            <a:spLocks noGrp="1"/>
+          </p:cNvSpPr>
+          <p:nvPr>
+            <p:ph type="body" sz="half" idx="2"/>
+          </p:nvPr>
+        </p:nvSpPr>
+        <p:spPr>
+          <a:xfrm>
+            <a:off x="457200" y="4495800"/>
+            <a:ext cx="3008313" cy="1643063"/>
+          </a:xfrm>
+        </p:spPr>
+        <p:txBody>
+          <a:bodyPr>
+            <a:normAutofit lnSpcReduction="10000"/>
+          </a:bodyPr>
+          <a:lstStyle/>
+          <a:p>
+            <a:pPr algn="just"/>
+            <a:r>
+              <a:rPr lang="en-US" dirty="0" smtClean="0"/>
+              <a:t>Their video/audio streams allow you to see/hear what they do. You can select the song, album, change the volume, etc.</a:t>
+            </a:r>
+          </a:p>
+          <a:p>
+            <a:pPr algn="just"/>
+            <a:endParaRPr lang="en-US" dirty="0" smtClean="0"/>
+          </a:p>
+          <a:p>
+            <a:pPr algn="just"/>
+            <a:r>
+              <a:rPr lang="en-US" dirty="0" smtClean="0"/>
+              <a:t>You can also join their network and socialize with other members.</a:t>
+            </a:r>
+            <a:endParaRPr lang="en-US" dirty="0"/>
+          </a:p>
+        </p:txBody>
+      </p:sp>
+      <p:cxnSp>
+        <p:nvCxnSpPr>
+          <p:cNvPr id="11" name="Straight Arrow Connector 10"/>
+          <p:cNvCxnSpPr/>
+          <p:nvPr/>
+        </p:nvCxnSpPr>
+        <p:spPr>
+          <a:xfrm flipV="1">
+            <a:off x="3581400" y="4343400"/>
+            <a:ext cx="1828800" cy="457200"/>
+          </a:xfrm>
+          <a:prstGeom prst="straightConnector1">
+            <a:avLst/>
+          </a:prstGeom>
+          <a:ln>
+            <a:tailEnd type="arrow"/>
+          </a:ln>
+        </p:spPr>
+        <p:style>
+          <a:lnRef idx="1">
+            <a:schemeClr val="accent1"/>
+          </a:lnRef>
+          <a:fillRef idx="0">
+            <a:schemeClr val="accent1"/>
+          </a:fillRef>
+          <a:effectRef idx="0">
+            <a:schemeClr val="accent1"/>
+          </a:effectRef>
+          <a:fontRef idx="minor">
+            <a:schemeClr val="tx1"/>
+          </a:fontRef>
+        </p:style>
+      </p:cxnSp>
+      <p:cxnSp>
+        <p:nvCxnSpPr>
+          <p:cNvPr id="13" name="Elbow Connector 12"/>
+          <p:cNvCxnSpPr/>
+          <p:nvPr/>
+        </p:nvCxnSpPr>
+        <p:spPr>
+          <a:xfrm rot="5400000" flipH="1" flipV="1">
+            <a:off x="-609600" y="3200400"/>
+            <a:ext cx="3505200" cy="1676400"/>
+          </a:xfrm>
+          <a:prstGeom prst="bentConnector3">
+            <a:avLst>
+              <a:gd name="adj1" fmla="val 50000"/>
+            </a:avLst>
+          </a:prstGeom>
+          <a:ln>
+            <a:tailEnd type="arrow"/>
+          </a:ln>
+        </p:spPr>
+        <p:style>
+          <a:lnRef idx="1">
+            <a:schemeClr val="accent1"/>
+          </a:lnRef>
+          <a:fillRef idx="0">
+            <a:schemeClr val="accent1"/>
+          </a:fillRef>
+          <a:effectRef idx="0">
+            <a:schemeClr val="accent1"/>
+          </a:effectRef>
+          <a:fontRef idx="minor">
+            <a:schemeClr val="tx1"/>
+          </a:fontRef>
+        </p:style>
+      </p:cxnSp>
+      <p:cxnSp>
+        <p:nvCxnSpPr>
+          <p:cNvPr id="15" name="Straight Connector 14"/>
+          <p:cNvCxnSpPr/>
+          <p:nvPr/>
+        </p:nvCxnSpPr>
+        <p:spPr>
+          <a:xfrm>
+            <a:off x="304800" y="5791200"/>
+            <a:ext cx="228600" cy="0"/>
+          </a:xfrm>
+          <a:prstGeom prst="line">
+            <a:avLst/>
+          </a:prstGeom>
+        </p:spPr>
+        <p:style>
+          <a:lnRef idx="1">
+            <a:schemeClr val="accent1"/>
+          </a:lnRef>
+          <a:fillRef idx="0">
+            <a:schemeClr val="accent1"/>
+          </a:fillRef>
+          <a:effectRef idx="0">
+            <a:schemeClr val="accent1"/>
+          </a:effectRef>
+          <a:fontRef idx="minor">
+            <a:schemeClr val="tx1"/>
+          </a:fontRef>
+        </p:style>
+      </p:cxnSp>
+      <p:sp>
+        <p:nvSpPr>
+          <p:cNvPr id="16" name="Text Placeholder 3"/>
+          <p:cNvSpPr txBox="1">
+            <a:spLocks/>
+          </p:cNvSpPr>
+          <p:nvPr/>
+        </p:nvSpPr>
+        <p:spPr>
+          <a:xfrm>
+            <a:off x="5334000" y="762000"/>
+            <a:ext cx="3200400" cy="1905000"/>
+          </a:xfrm>
+          <a:prstGeom prst="rect">
+            <a:avLst/>
+          </a:prstGeom>
+        </p:spPr>
+        <p:txBody>
+          <a:bodyPr vert="horz" lIns="91440" tIns="45720" rIns="91440" bIns="45720" rtlCol="0">
+            <a:normAutofit/>
+          </a:bodyPr>
+          <a:lstStyle/>
+          <a:p>
+            <a:pPr marL="0" marR="0" lvl="0" indent="0" algn="just" defTabSz="914400" rtl="0" eaLnBrk="1" fontAlgn="auto" latinLnBrk="0" hangingPunct="1">
+              <a:lnSpc>
+                <a:spcPct val="100000"/>
+              </a:lnSpc>
+              <a:spcBef>
+                <a:spcPct val="20000"/>
+              </a:spcBef>
+              <a:spcAft>
+                <a:spcPts val="0"/>
+              </a:spcAft>
+              <a:buClrTx/>
+              <a:buSzTx/>
+              <a:buFont typeface="Arial" pitchFamily="34" charset="0"/>
+              <a:buNone/>
+              <a:tabLst/>
+              <a:defRPr/>
+            </a:pPr>
+            <a:r>
+              <a:rPr lang="en-US" sz="1400" dirty="0" smtClean="0"/>
+              <a:t>The top links are not highlighted when selected, but the sidebar selections are. </a:t>
+            </a:r>
+          </a:p>
+          <a:p>
+            <a:pPr marL="0" marR="0" lvl="0" indent="0" algn="just" defTabSz="914400" rtl="0" eaLnBrk="1" fontAlgn="auto" latinLnBrk="0" hangingPunct="1">
+              <a:lnSpc>
+                <a:spcPct val="100000"/>
+              </a:lnSpc>
+              <a:spcBef>
+                <a:spcPct val="20000"/>
+              </a:spcBef>
+              <a:spcAft>
+                <a:spcPts val="0"/>
+              </a:spcAft>
+              <a:buClrTx/>
+              <a:buSzTx/>
+              <a:buFont typeface="Arial" pitchFamily="34" charset="0"/>
+              <a:buNone/>
+              <a:tabLst/>
+              <a:defRPr/>
+            </a:pPr>
+            <a:endParaRPr lang="en-US" sz="1400" dirty="0" smtClean="0"/>
+          </a:p>
+          <a:p>
+            <a:pPr marL="0" marR="0" lvl="0" indent="0" algn="just" defTabSz="914400" rtl="0" eaLnBrk="1" fontAlgn="auto" latinLnBrk="0" hangingPunct="1">
+              <a:lnSpc>
+                <a:spcPct val="100000"/>
+              </a:lnSpc>
+              <a:spcBef>
+                <a:spcPct val="20000"/>
+              </a:spcBef>
+              <a:spcAft>
+                <a:spcPts val="0"/>
+              </a:spcAft>
+              <a:buClrTx/>
+              <a:buSzTx/>
+              <a:buFont typeface="Arial" pitchFamily="34" charset="0"/>
+              <a:buNone/>
+              <a:tabLst/>
+              <a:defRPr/>
+            </a:pPr>
+            <a:r>
+              <a:rPr lang="en-US" sz="1400" dirty="0" smtClean="0"/>
+              <a:t>When the mouse falls on a link, it lights up.</a:t>
+            </a:r>
+          </a:p>
+          <a:p>
+            <a:pPr marL="0" marR="0" lvl="0" indent="0" algn="l" defTabSz="914400" rtl="0" eaLnBrk="1" fontAlgn="auto" latinLnBrk="0" hangingPunct="1">
+              <a:lnSpc>
+                <a:spcPct val="100000"/>
+              </a:lnSpc>
+              <a:spcBef>
+                <a:spcPct val="20000"/>
+              </a:spcBef>
+              <a:spcAft>
+                <a:spcPts val="0"/>
+              </a:spcAft>
+              <a:buClrTx/>
+              <a:buSzTx/>
+              <a:buFont typeface="Arial" pitchFamily="34" charset="0"/>
+              <a:buNone/>
+              <a:tabLst/>
+              <a:defRPr/>
+            </a:pPr>
+            <a:endParaRPr kumimoji="0" lang="en-US" sz="1400" b="0" i="0" u="none" strike="noStrike" kern="1200" cap="none" spc="0" normalizeH="0" baseline="0" noProof="0" dirty="0" smtClean="0">
+              <a:ln>
+                <a:noFill/>
+              </a:ln>
+              <a:solidFill>
+                <a:schemeClr val="tx1"/>
+              </a:solidFill>
+              <a:effectLst/>
+              <a:uLnTx/>
+              <a:uFillTx/>
+              <a:latin typeface="+mn-lt"/>
+              <a:ea typeface="+mn-ea"/>
+              <a:cs typeface="+mn-cs"/>
+            </a:endParaRPr>
+          </a:p>
+          <a:p>
+            <a:pPr marL="0" marR="0" lvl="0" indent="0" algn="l" defTabSz="914400" rtl="0" eaLnBrk="1" fontAlgn="auto" latinLnBrk="0" hangingPunct="1">
+              <a:lnSpc>
+                <a:spcPct val="100000"/>
+              </a:lnSpc>
+              <a:spcBef>
+                <a:spcPct val="20000"/>
+              </a:spcBef>
+              <a:spcAft>
+                <a:spcPts val="0"/>
+              </a:spcAft>
+              <a:buClrTx/>
+              <a:buSzTx/>
+              <a:buFont typeface="Arial" pitchFamily="34" charset="0"/>
+              <a:buNone/>
+              <a:tabLst/>
+              <a:defRPr/>
+            </a:pPr>
+            <a:endParaRPr kumimoji="0" lang="en-US" sz="1400" b="0" i="0" u="none" strike="noStrike" kern="1200" cap="none" spc="0" normalizeH="0" baseline="0" noProof="0" dirty="0">
+              <a:ln>
+                <a:noFill/>
+              </a:ln>
+              <a:solidFill>
+                <a:schemeClr val="tx1"/>
+              </a:solidFill>
+              <a:effectLst/>
+              <a:uLnTx/>
+              <a:uFillTx/>
+              <a:latin typeface="+mn-lt"/>
+              <a:ea typeface="+mn-ea"/>
+              <a:cs typeface="+mn-cs"/>
+            </a:endParaRPr>
+          </a:p>
+        </p:txBody>
+      </p:sp>
+      <p:cxnSp>
+        <p:nvCxnSpPr>
+          <p:cNvPr id="19" name="Straight Arrow Connector 18"/>
+          <p:cNvCxnSpPr/>
+          <p:nvPr/>
+        </p:nvCxnSpPr>
+        <p:spPr>
+          <a:xfrm flipH="1">
+            <a:off x="4876800" y="1066800"/>
+            <a:ext cx="457200" cy="1981200"/>
+          </a:xfrm>
+          <a:prstGeom prst="straightConnector1">
+            <a:avLst/>
+          </a:prstGeom>
+          <a:ln>
+            <a:tailEnd type="arrow"/>
+          </a:ln>
+        </p:spPr>
+        <p:style>
+          <a:lnRef idx="1">
+            <a:schemeClr val="accent1"/>
+          </a:lnRef>
+          <a:fillRef idx="0">
+            <a:schemeClr val="accent1"/>
+          </a:fillRef>
+          <a:effectRef idx="0">
+            <a:schemeClr val="accent1"/>
+          </a:effectRef>
+          <a:fontRef idx="minor">
+            <a:schemeClr val="tx1"/>
+          </a:fontRef>
+        </p:style>
+      </p:cxnSp>
+    </p:spTree>
+  </p:cSld>
+  <p:clrMapOvr>
+    <a:masterClrMapping/>
+  </p:clrMapOvr>
+</p:sld>
+</file>
+
+<file path=ppt/slides/slide11.xml><?xml version="1.0" encoding="utf-8"?>
+<p:sld xmlns:a="http://schemas.openxmlformats.org/drawingml/2006/main" xmlns:r="http://schemas.openxmlformats.org/officeDocument/2006/relationships" xmlns:p="http://schemas.openxmlformats.org/presentationml/2006/main">
+  <p:cSld>
+    <p:spTree>
+      <p:nvGrpSpPr>
+        <p:cNvPr id="1" name=""/>
+        <p:cNvGrpSpPr/>
+        <p:nvPr/>
+      </p:nvGrpSpPr>
+      <p:grpSpPr>
+        <a:xfrm>
+          <a:off x="0" y="0"/>
+          <a:ext cx="0" cy="0"/>
+          <a:chOff x="0" y="0"/>
+          <a:chExt cx="0" cy="0"/>
+        </a:xfrm>
+      </p:grpSpPr>
+      <p:sp>
+        <p:nvSpPr>
+          <p:cNvPr id="2" name="Title 1"/>
+          <p:cNvSpPr>
+            <a:spLocks noGrp="1"/>
+          </p:cNvSpPr>
+          <p:nvPr>
+            <p:ph type="title"/>
+          </p:nvPr>
+        </p:nvSpPr>
+        <p:spPr/>
+        <p:txBody>
+          <a:bodyPr/>
+          <a:lstStyle/>
+          <a:p>
+            <a:pPr algn="ctr"/>
+            <a:r>
+              <a:rPr lang="en-US" dirty="0" smtClean="0"/>
+              <a:t>Navigation</a:t>
+            </a:r>
+            <a:endParaRPr lang="en-US" dirty="0"/>
+          </a:p>
+        </p:txBody>
+      </p:sp>
+      <p:sp>
+        <p:nvSpPr>
+          <p:cNvPr id="4" name="Text Placeholder 3"/>
+          <p:cNvSpPr>
+            <a:spLocks noGrp="1"/>
+          </p:cNvSpPr>
+          <p:nvPr>
+            <p:ph type="body" sz="half" idx="2"/>
+          </p:nvPr>
+        </p:nvSpPr>
+        <p:spPr/>
+        <p:txBody>
+          <a:bodyPr/>
+          <a:lstStyle/>
+          <a:p>
+            <a:pPr algn="just"/>
+            <a:r>
+              <a:rPr lang="en-US" dirty="0" smtClean="0"/>
+              <a:t>Top navigation bar is there on every page. Sidebars have drop-down menus that come down after selecting it.</a:t>
+            </a:r>
+          </a:p>
+          <a:p>
+            <a:pPr algn="just"/>
+            <a:endParaRPr lang="en-US" dirty="0" smtClean="0"/>
+          </a:p>
+          <a:p>
+            <a:pPr algn="just"/>
+            <a:r>
+              <a:rPr lang="en-US" dirty="0" smtClean="0"/>
+              <a:t>Relatively easy to know where you are and where you can go.</a:t>
+            </a:r>
+            <a:endParaRPr lang="en-US" dirty="0" smtClean="0"/>
+          </a:p>
+          <a:p>
+            <a:pPr algn="just"/>
+            <a:endParaRPr lang="en-US" dirty="0" smtClean="0"/>
+          </a:p>
+          <a:p>
+            <a:pPr algn="just"/>
+            <a:endParaRPr lang="en-US" dirty="0" smtClean="0"/>
+          </a:p>
+          <a:p>
+            <a:pPr algn="just"/>
+            <a:endParaRPr lang="en-US" dirty="0" smtClean="0"/>
+          </a:p>
+          <a:p>
+            <a:pPr algn="just"/>
+            <a:endParaRPr lang="en-US" dirty="0" smtClean="0"/>
+          </a:p>
+          <a:p>
+            <a:pPr algn="just"/>
+            <a:endParaRPr lang="en-US" dirty="0" smtClean="0"/>
+          </a:p>
+          <a:p>
+            <a:pPr algn="just"/>
+            <a:r>
+              <a:rPr lang="en-US" dirty="0" smtClean="0"/>
+              <a:t>There is also an extra navigation bar at the bottom.</a:t>
+            </a:r>
+          </a:p>
+          <a:p>
+            <a:pPr algn="just"/>
+            <a:endParaRPr lang="en-US" dirty="0" smtClean="0"/>
+          </a:p>
+          <a:p>
+            <a:pPr algn="just"/>
+            <a:r>
+              <a:rPr lang="en-US" dirty="0" smtClean="0"/>
+              <a:t>It seems extraneous, but there are some extra links there that aren’t at the top.</a:t>
+            </a:r>
+            <a:endParaRPr lang="en-US" dirty="0"/>
+          </a:p>
+        </p:txBody>
+      </p:sp>
+      <p:pic>
+        <p:nvPicPr>
+          <p:cNvPr id="5" name="Picture Placeholder 4" descr="MuseHome.jpg"/>
+          <p:cNvPicPr>
+            <a:picLocks noGrp="1" noChangeAspect="1"/>
+          </p:cNvPicPr>
+          <p:nvPr>
+            <p:ph idx="1"/>
+          </p:nvPr>
+        </p:nvPicPr>
+        <p:blipFill>
+          <a:blip r:embed="rId2" cstate="print"/>
+          <a:srcRect l="15783" r="15783"/>
+          <a:stretch>
+            <a:fillRect/>
+          </a:stretch>
+        </p:blipFill>
+        <p:spPr>
+          <a:xfrm>
+            <a:off x="3581400" y="1447800"/>
+            <a:ext cx="5111750" cy="3833832"/>
+          </a:xfrm>
+        </p:spPr>
+      </p:pic>
+      <p:sp>
+        <p:nvSpPr>
+          <p:cNvPr id="6" name="Rounded Rectangle 5"/>
+          <p:cNvSpPr/>
+          <p:nvPr/>
+        </p:nvSpPr>
+        <p:spPr>
+          <a:xfrm>
+            <a:off x="3657600" y="5105400"/>
+            <a:ext cx="4876800" cy="152400"/>
+          </a:xfrm>
+          <a:prstGeom prst="roundRect">
+            <a:avLst/>
+          </a:prstGeom>
+          <a:noFill/>
+        </p:spPr>
+        <p:style>
+          <a:lnRef idx="2">
+            <a:schemeClr val="accent1">
+              <a:shade val="50000"/>
+            </a:schemeClr>
+          </a:lnRef>
+          <a:fillRef idx="1">
+            <a:schemeClr val="accent1"/>
+          </a:fillRef>
+          <a:effectRef idx="0">
+            <a:schemeClr val="accent1"/>
+          </a:effectRef>
+          <a:fontRef idx="minor">
+            <a:schemeClr val="lt1"/>
+          </a:fontRef>
+        </p:style>
+        <p:txBody>
+          <a:bodyPr rtlCol="0" anchor="ctr"/>
+          <a:lstStyle/>
+          <a:p>
+            <a:pPr algn="ctr"/>
+            <a:endParaRPr lang="en-US"/>
+          </a:p>
+        </p:txBody>
+      </p:sp>
+      <p:sp>
+        <p:nvSpPr>
+          <p:cNvPr id="7" name="Oval 6"/>
+          <p:cNvSpPr/>
+          <p:nvPr/>
+        </p:nvSpPr>
+        <p:spPr>
+          <a:xfrm>
+            <a:off x="7239000" y="5029200"/>
+            <a:ext cx="1066800" cy="304800"/>
+          </a:xfrm>
+          <a:prstGeom prst="ellipse">
+            <a:avLst/>
+          </a:prstGeom>
+          <a:noFill/>
+        </p:spPr>
+        <p:style>
+          <a:lnRef idx="2">
+            <a:schemeClr val="accent1">
+              <a:shade val="50000"/>
+            </a:schemeClr>
+          </a:lnRef>
+          <a:fillRef idx="1">
+            <a:schemeClr val="accent1"/>
+          </a:fillRef>
+          <a:effectRef idx="0">
+            <a:schemeClr val="accent1"/>
+          </a:effectRef>
+          <a:fontRef idx="minor">
+            <a:schemeClr val="lt1"/>
+          </a:fontRef>
+        </p:style>
+        <p:txBody>
+          <a:bodyPr rtlCol="0" anchor="ctr"/>
+          <a:lstStyle/>
+          <a:p>
+            <a:pPr algn="ctr"/>
+            <a:endParaRPr lang="en-US"/>
+          </a:p>
+        </p:txBody>
+      </p:sp>
+      <p:sp>
+        <p:nvSpPr>
+          <p:cNvPr id="8" name="Rectangle 7"/>
+          <p:cNvSpPr/>
+          <p:nvPr/>
+        </p:nvSpPr>
+        <p:spPr>
+          <a:xfrm>
+            <a:off x="3810000" y="1828800"/>
+            <a:ext cx="4648200" cy="228600"/>
+          </a:xfrm>
+          <a:prstGeom prst="rect">
+            <a:avLst/>
+          </a:prstGeom>
+          <a:noFill/>
+        </p:spPr>
+        <p:style>
+          <a:lnRef idx="2">
+            <a:schemeClr val="accent1">
+              <a:shade val="50000"/>
+            </a:schemeClr>
+          </a:lnRef>
+          <a:fillRef idx="1">
+            <a:schemeClr val="accent1"/>
+          </a:fillRef>
+          <a:effectRef idx="0">
+            <a:schemeClr val="accent1"/>
+          </a:effectRef>
+          <a:fontRef idx="minor">
+            <a:schemeClr val="lt1"/>
+          </a:fontRef>
+        </p:style>
+        <p:txBody>
+          <a:bodyPr rtlCol="0" anchor="ctr"/>
+          <a:lstStyle/>
+          <a:p>
+            <a:pPr algn="ctr"/>
+            <a:endParaRPr lang="en-US"/>
+          </a:p>
+        </p:txBody>
+      </p:sp>
+    </p:spTree>
+  </p:cSld>
+  <p:clrMapOvr>
+    <a:masterClrMapping/>
+  </p:clrMapOvr>
+</p:sld>
+</file>
+
+<file path=ppt/slides/slide12.xml><?xml version="1.0" encoding="utf-8"?>
+<p:sld xmlns:a="http://schemas.openxmlformats.org/drawingml/2006/main" xmlns:r="http://schemas.openxmlformats.org/officeDocument/2006/relationships" xmlns:p="http://schemas.openxmlformats.org/presentationml/2006/main">
+  <p:cSld>
+    <p:spTree>
+      <p:nvGrpSpPr>
+        <p:cNvPr id="1" name=""/>
+        <p:cNvGrpSpPr/>
+        <p:nvPr/>
+      </p:nvGrpSpPr>
+      <p:grpSpPr>
+        <a:xfrm>
+          <a:off x="0" y="0"/>
+          <a:ext cx="0" cy="0"/>
+          <a:chOff x="0" y="0"/>
+          <a:chExt cx="0" cy="0"/>
+        </a:xfrm>
+      </p:grpSpPr>
+      <p:sp>
+        <p:nvSpPr>
+          <p:cNvPr id="2" name="Title 1"/>
+          <p:cNvSpPr>
+            <a:spLocks noGrp="1"/>
+          </p:cNvSpPr>
+          <p:nvPr>
+            <p:ph type="title"/>
+          </p:nvPr>
+        </p:nvSpPr>
+        <p:spPr/>
+        <p:txBody>
+          <a:bodyPr/>
+          <a:lstStyle/>
+          <a:p>
+            <a:r>
+              <a:rPr lang="en-US" dirty="0" err="1" smtClean="0"/>
+              <a:t>Threadless</a:t>
+            </a:r>
+            <a:endParaRPr lang="en-US" dirty="0"/>
+          </a:p>
+        </p:txBody>
+      </p:sp>
+      <p:sp>
+        <p:nvSpPr>
+          <p:cNvPr id="4" name="Text Placeholder 3"/>
+          <p:cNvSpPr>
+            <a:spLocks noGrp="1"/>
+          </p:cNvSpPr>
+          <p:nvPr>
+            <p:ph type="body" sz="half" idx="2"/>
+          </p:nvPr>
+        </p:nvSpPr>
+        <p:spPr/>
+        <p:txBody>
+          <a:bodyPr>
+            <a:normAutofit lnSpcReduction="10000"/>
+          </a:bodyPr>
+          <a:lstStyle/>
+          <a:p>
+            <a:r>
+              <a:rPr lang="en-US" dirty="0" smtClean="0">
+                <a:hlinkClick r:id="rId2"/>
+              </a:rPr>
+              <a:t>www.threadless.com</a:t>
+            </a:r>
+            <a:endParaRPr lang="en-US" dirty="0" smtClean="0"/>
+          </a:p>
+          <a:p>
+            <a:r>
+              <a:rPr lang="en-US" dirty="0" smtClean="0"/>
+              <a:t>Date Visited – 1/19/12</a:t>
+            </a:r>
+            <a:endParaRPr lang="en-US" dirty="0" smtClean="0"/>
+          </a:p>
+          <a:p>
+            <a:r>
+              <a:rPr lang="en-US" dirty="0" smtClean="0"/>
+              <a:t>Layout - Custom (Five Boxes + Headline &amp; Grid)</a:t>
+            </a:r>
+            <a:endParaRPr lang="en-US" dirty="0"/>
+          </a:p>
+        </p:txBody>
+      </p:sp>
+      <p:pic>
+        <p:nvPicPr>
+          <p:cNvPr id="3074" name="Picture 2" descr="C:\Users\Phil\Pictures\Cogs 187\ThreadlessHome.jpg"/>
+          <p:cNvPicPr>
+            <a:picLocks noChangeAspect="1" noChangeArrowheads="1"/>
+          </p:cNvPicPr>
+          <p:nvPr/>
+        </p:nvPicPr>
+        <p:blipFill>
+          <a:blip r:embed="rId3" cstate="print"/>
+          <a:srcRect l="10482" r="11378"/>
+          <a:stretch>
+            <a:fillRect/>
+          </a:stretch>
+        </p:blipFill>
+        <p:spPr bwMode="auto">
+          <a:xfrm>
+            <a:off x="1447800" y="609600"/>
+            <a:ext cx="6248400" cy="3947732"/>
+          </a:xfrm>
+          <a:prstGeom prst="rect">
+            <a:avLst/>
+          </a:prstGeom>
+          <a:noFill/>
+        </p:spPr>
+      </p:pic>
+    </p:spTree>
+  </p:cSld>
+  <p:clrMapOvr>
+    <a:masterClrMapping/>
+  </p:clrMapOvr>
+</p:sld>
+</file>
+
+<file path=ppt/slides/slide13.xml><?xml version="1.0" encoding="utf-8"?>
+<p:sld xmlns:a="http://schemas.openxmlformats.org/drawingml/2006/main" xmlns:r="http://schemas.openxmlformats.org/officeDocument/2006/relationships" xmlns:p="http://schemas.openxmlformats.org/presentationml/2006/main">
+  <p:cSld>
+    <p:spTree>
+      <p:nvGrpSpPr>
+        <p:cNvPr id="1" name=""/>
+        <p:cNvGrpSpPr/>
+        <p:nvPr/>
+      </p:nvGrpSpPr>
+      <p:grpSpPr>
+        <a:xfrm>
+          <a:off x="0" y="0"/>
+          <a:ext cx="0" cy="0"/>
+          <a:chOff x="0" y="0"/>
+          <a:chExt cx="0" cy="0"/>
+        </a:xfrm>
+      </p:grpSpPr>
+      <p:sp>
+        <p:nvSpPr>
+          <p:cNvPr id="2" name="Title 1"/>
+          <p:cNvSpPr>
+            <a:spLocks noGrp="1"/>
+          </p:cNvSpPr>
+          <p:nvPr>
+            <p:ph type="title"/>
+          </p:nvPr>
+        </p:nvSpPr>
+        <p:spPr/>
+        <p:txBody>
+          <a:bodyPr/>
+          <a:lstStyle/>
+          <a:p>
+            <a:pPr algn="ctr"/>
+            <a:r>
+              <a:rPr lang="en-US" dirty="0" smtClean="0"/>
+              <a:t>Brand</a:t>
+            </a:r>
+            <a:endParaRPr lang="en-US" dirty="0"/>
+          </a:p>
+        </p:txBody>
+      </p:sp>
+      <p:pic>
+        <p:nvPicPr>
+          <p:cNvPr id="5" name="Content Placeholder 4" descr="ThreadlessBrand.jpg"/>
+          <p:cNvPicPr>
+            <a:picLocks noGrp="1" noChangeAspect="1"/>
+          </p:cNvPicPr>
+          <p:nvPr>
+            <p:ph idx="1"/>
+          </p:nvPr>
+        </p:nvPicPr>
+        <p:blipFill>
+          <a:blip r:embed="rId2" cstate="print"/>
+          <a:stretch>
+            <a:fillRect/>
+          </a:stretch>
+        </p:blipFill>
+        <p:spPr>
+          <a:xfrm>
+            <a:off x="3276600" y="762000"/>
+            <a:ext cx="5425168" cy="4800600"/>
+          </a:xfrm>
+        </p:spPr>
+      </p:pic>
+      <p:sp>
+        <p:nvSpPr>
+          <p:cNvPr id="4" name="Text Placeholder 3"/>
+          <p:cNvSpPr>
+            <a:spLocks noGrp="1"/>
+          </p:cNvSpPr>
+          <p:nvPr>
+            <p:ph type="body" sz="half" idx="2"/>
+          </p:nvPr>
+        </p:nvSpPr>
+        <p:spPr/>
+        <p:txBody>
+          <a:bodyPr/>
+          <a:lstStyle/>
+          <a:p>
+            <a:r>
+              <a:rPr lang="en-US" dirty="0" smtClean="0"/>
+              <a:t>Fun – The art style on the shirts seems fun.</a:t>
+            </a:r>
+          </a:p>
+          <a:p>
+            <a:endParaRPr lang="en-US" dirty="0" smtClean="0"/>
+          </a:p>
+          <a:p>
+            <a:r>
+              <a:rPr lang="en-US" dirty="0" smtClean="0"/>
+              <a:t>Artistic – Many creative designs</a:t>
+            </a:r>
+          </a:p>
+          <a:p>
+            <a:endParaRPr lang="en-US" dirty="0" smtClean="0"/>
+          </a:p>
+          <a:p>
+            <a:r>
+              <a:rPr lang="en-US" dirty="0" smtClean="0"/>
+              <a:t>Social – Shopping, members, community tab. Encourages participation.</a:t>
+            </a:r>
+          </a:p>
+          <a:p>
+            <a:endParaRPr lang="en-US" dirty="0" smtClean="0"/>
+          </a:p>
+          <a:p>
+            <a:endParaRPr lang="en-US" dirty="0"/>
+          </a:p>
+        </p:txBody>
+      </p:sp>
+    </p:spTree>
+  </p:cSld>
+  <p:clrMapOvr>
+    <a:masterClrMapping/>
+  </p:clrMapOvr>
+</p:sld>
+</file>
+
+<file path=ppt/slides/slide14.xml><?xml version="1.0" encoding="utf-8"?>
+<p:sld xmlns:a="http://schemas.openxmlformats.org/drawingml/2006/main" xmlns:r="http://schemas.openxmlformats.org/officeDocument/2006/relationships" xmlns:p="http://schemas.openxmlformats.org/presentationml/2006/main">
+  <p:cSld>
+    <p:spTree>
+      <p:nvGrpSpPr>
+        <p:cNvPr id="1" name=""/>
+        <p:cNvGrpSpPr/>
+        <p:nvPr/>
+      </p:nvGrpSpPr>
+      <p:grpSpPr>
+        <a:xfrm>
+          <a:off x="0" y="0"/>
+          <a:ext cx="0" cy="0"/>
+          <a:chOff x="0" y="0"/>
+          <a:chExt cx="0" cy="0"/>
+        </a:xfrm>
+      </p:grpSpPr>
+      <p:sp>
+        <p:nvSpPr>
+          <p:cNvPr id="2" name="Title 1"/>
+          <p:cNvSpPr>
+            <a:spLocks noGrp="1"/>
+          </p:cNvSpPr>
+          <p:nvPr>
+            <p:ph type="title"/>
+          </p:nvPr>
+        </p:nvSpPr>
+        <p:spPr>
+          <a:xfrm>
+            <a:off x="5638800" y="304800"/>
+            <a:ext cx="3008313" cy="1162050"/>
+          </a:xfrm>
+        </p:spPr>
+        <p:txBody>
+          <a:bodyPr/>
+          <a:lstStyle/>
+          <a:p>
+            <a:pPr algn="ctr"/>
+            <a:r>
+              <a:rPr lang="en-US" dirty="0" smtClean="0"/>
+              <a:t>Functionality</a:t>
+            </a:r>
+            <a:endParaRPr lang="en-US" dirty="0"/>
+          </a:p>
+        </p:txBody>
+      </p:sp>
+      <p:pic>
+        <p:nvPicPr>
+          <p:cNvPr id="5" name="Content Placeholder 4" descr="ThreadlessFunctionality.jpg"/>
+          <p:cNvPicPr>
+            <a:picLocks noGrp="1" noChangeAspect="1"/>
+          </p:cNvPicPr>
+          <p:nvPr>
+            <p:ph idx="1"/>
+          </p:nvPr>
+        </p:nvPicPr>
+        <p:blipFill>
+          <a:blip r:embed="rId2" cstate="print"/>
+          <a:srcRect l="25342" r="25466"/>
+          <a:stretch>
+            <a:fillRect/>
+          </a:stretch>
+        </p:blipFill>
+        <p:spPr>
+          <a:xfrm>
+            <a:off x="152400" y="152400"/>
+            <a:ext cx="4724400" cy="4735254"/>
+          </a:xfrm>
+        </p:spPr>
+      </p:pic>
+      <p:sp>
+        <p:nvSpPr>
+          <p:cNvPr id="4" name="Text Placeholder 3"/>
+          <p:cNvSpPr>
+            <a:spLocks noGrp="1"/>
+          </p:cNvSpPr>
+          <p:nvPr>
+            <p:ph type="body" sz="half" idx="2"/>
+          </p:nvPr>
+        </p:nvSpPr>
+        <p:spPr>
+          <a:xfrm>
+            <a:off x="5638800" y="1524000"/>
+            <a:ext cx="3008313" cy="4691063"/>
+          </a:xfrm>
+        </p:spPr>
+        <p:txBody>
+          <a:bodyPr/>
+          <a:lstStyle/>
+          <a:p>
+            <a:r>
+              <a:rPr lang="en-US" dirty="0" smtClean="0"/>
+              <a:t>The tabs have drop down menus to show what other products there are.</a:t>
+            </a:r>
+          </a:p>
+          <a:p>
+            <a:endParaRPr lang="en-US" dirty="0" smtClean="0"/>
+          </a:p>
+          <a:p>
+            <a:r>
+              <a:rPr lang="en-US" dirty="0" smtClean="0"/>
+              <a:t>Shopping cart to keep track of sales.</a:t>
+            </a:r>
+          </a:p>
+          <a:p>
+            <a:endParaRPr lang="en-US" dirty="0" smtClean="0"/>
+          </a:p>
+          <a:p>
+            <a:r>
+              <a:rPr lang="en-US" dirty="0" smtClean="0"/>
+              <a:t>The main image has links within it that you may browse.</a:t>
+            </a:r>
+          </a:p>
+          <a:p>
+            <a:endParaRPr lang="en-US" dirty="0" smtClean="0"/>
+          </a:p>
+          <a:p>
+            <a:r>
+              <a:rPr lang="en-US" dirty="0" smtClean="0"/>
+              <a:t>A section displays the newest designs.</a:t>
+            </a:r>
+          </a:p>
+          <a:p>
+            <a:endParaRPr lang="en-US" dirty="0" smtClean="0"/>
+          </a:p>
+          <a:p>
+            <a:r>
+              <a:rPr lang="en-US" dirty="0" smtClean="0"/>
+              <a:t>Selecting a shirt will bring you to a new page showcasing that shirt. </a:t>
+            </a:r>
+          </a:p>
+        </p:txBody>
+      </p:sp>
+      <p:pic>
+        <p:nvPicPr>
+          <p:cNvPr id="4098" name="Picture 2" descr="C:\Users\Phil\Pictures\Cogs 187\ThreadlessFunctionality2.jpg"/>
+          <p:cNvPicPr>
+            <a:picLocks noChangeAspect="1" noChangeArrowheads="1"/>
+          </p:cNvPicPr>
+          <p:nvPr/>
+        </p:nvPicPr>
+        <p:blipFill>
+          <a:blip r:embed="rId3" cstate="print"/>
+          <a:srcRect/>
+          <a:stretch>
+            <a:fillRect/>
+          </a:stretch>
+        </p:blipFill>
+        <p:spPr bwMode="auto">
+          <a:xfrm>
+            <a:off x="1447800" y="4343400"/>
+            <a:ext cx="4101353" cy="2286000"/>
+          </a:xfrm>
+          <a:prstGeom prst="rect">
+            <a:avLst/>
+          </a:prstGeom>
+          <a:noFill/>
+        </p:spPr>
+      </p:pic>
+      <p:cxnSp>
+        <p:nvCxnSpPr>
+          <p:cNvPr id="8" name="Straight Connector 7"/>
+          <p:cNvCxnSpPr/>
+          <p:nvPr/>
+        </p:nvCxnSpPr>
+        <p:spPr>
+          <a:xfrm>
+            <a:off x="533400" y="4724400"/>
+            <a:ext cx="990600" cy="1828800"/>
+          </a:xfrm>
+          <a:prstGeom prst="line">
+            <a:avLst/>
+          </a:prstGeom>
+        </p:spPr>
+        <p:style>
+          <a:lnRef idx="1">
+            <a:schemeClr val="accent1"/>
+          </a:lnRef>
+          <a:fillRef idx="0">
+            <a:schemeClr val="accent1"/>
+          </a:fillRef>
+          <a:effectRef idx="0">
+            <a:schemeClr val="accent1"/>
+          </a:effectRef>
+          <a:fontRef idx="minor">
+            <a:schemeClr val="tx1"/>
+          </a:fontRef>
+        </p:style>
+      </p:cxnSp>
+      <p:cxnSp>
+        <p:nvCxnSpPr>
+          <p:cNvPr id="10" name="Straight Connector 9"/>
+          <p:cNvCxnSpPr/>
+          <p:nvPr/>
+        </p:nvCxnSpPr>
+        <p:spPr>
+          <a:xfrm>
+            <a:off x="1066800" y="3810000"/>
+            <a:ext cx="4267200" cy="609600"/>
+          </a:xfrm>
+          <a:prstGeom prst="line">
+            <a:avLst/>
+          </a:prstGeom>
+        </p:spPr>
+        <p:style>
+          <a:lnRef idx="1">
+            <a:schemeClr val="accent1"/>
+          </a:lnRef>
+          <a:fillRef idx="0">
+            <a:schemeClr val="accent1"/>
+          </a:fillRef>
+          <a:effectRef idx="0">
+            <a:schemeClr val="accent1"/>
+          </a:effectRef>
+          <a:fontRef idx="minor">
+            <a:schemeClr val="tx1"/>
+          </a:fontRef>
+        </p:style>
+      </p:cxnSp>
+      <p:cxnSp>
+        <p:nvCxnSpPr>
+          <p:cNvPr id="12" name="Straight Connector 11"/>
+          <p:cNvCxnSpPr/>
+          <p:nvPr/>
+        </p:nvCxnSpPr>
+        <p:spPr>
+          <a:xfrm>
+            <a:off x="457200" y="3810000"/>
+            <a:ext cx="990600" cy="533400"/>
+          </a:xfrm>
+          <a:prstGeom prst="line">
+            <a:avLst/>
+          </a:prstGeom>
+        </p:spPr>
+        <p:style>
+          <a:lnRef idx="1">
+            <a:schemeClr val="accent1"/>
+          </a:lnRef>
+          <a:fillRef idx="0">
+            <a:schemeClr val="accent1"/>
+          </a:fillRef>
+          <a:effectRef idx="0">
+            <a:schemeClr val="accent1"/>
+          </a:effectRef>
+          <a:fontRef idx="minor">
+            <a:schemeClr val="tx1"/>
+          </a:fontRef>
+        </p:style>
+      </p:cxnSp>
+      <p:cxnSp>
+        <p:nvCxnSpPr>
+          <p:cNvPr id="14" name="Straight Arrow Connector 13"/>
+          <p:cNvCxnSpPr/>
+          <p:nvPr/>
+        </p:nvCxnSpPr>
+        <p:spPr>
+          <a:xfrm flipH="1">
+            <a:off x="4495800" y="2971800"/>
+            <a:ext cx="1143000" cy="152400"/>
+          </a:xfrm>
+          <a:prstGeom prst="straightConnector1">
+            <a:avLst/>
+          </a:prstGeom>
+          <a:ln>
+            <a:tailEnd type="arrow"/>
+          </a:ln>
+        </p:spPr>
+        <p:style>
+          <a:lnRef idx="1">
+            <a:schemeClr val="accent1"/>
+          </a:lnRef>
+          <a:fillRef idx="0">
+            <a:schemeClr val="accent1"/>
+          </a:fillRef>
+          <a:effectRef idx="0">
+            <a:schemeClr val="accent1"/>
+          </a:effectRef>
+          <a:fontRef idx="minor">
+            <a:schemeClr val="tx1"/>
+          </a:fontRef>
+        </p:style>
+      </p:cxnSp>
+      <p:cxnSp>
+        <p:nvCxnSpPr>
+          <p:cNvPr id="16" name="Straight Arrow Connector 15"/>
+          <p:cNvCxnSpPr/>
+          <p:nvPr/>
+        </p:nvCxnSpPr>
+        <p:spPr>
+          <a:xfrm flipH="1" flipV="1">
+            <a:off x="4267200" y="609600"/>
+            <a:ext cx="1371600" cy="1828800"/>
+          </a:xfrm>
+          <a:prstGeom prst="straightConnector1">
+            <a:avLst/>
+          </a:prstGeom>
+          <a:ln>
+            <a:tailEnd type="arrow"/>
+          </a:ln>
+        </p:spPr>
+        <p:style>
+          <a:lnRef idx="1">
+            <a:schemeClr val="accent1"/>
+          </a:lnRef>
+          <a:fillRef idx="0">
+            <a:schemeClr val="accent1"/>
+          </a:fillRef>
+          <a:effectRef idx="0">
+            <a:schemeClr val="accent1"/>
+          </a:effectRef>
+          <a:fontRef idx="minor">
+            <a:schemeClr val="tx1"/>
+          </a:fontRef>
+        </p:style>
+      </p:cxnSp>
+      <p:cxnSp>
+        <p:nvCxnSpPr>
+          <p:cNvPr id="18" name="Straight Arrow Connector 17"/>
+          <p:cNvCxnSpPr/>
+          <p:nvPr/>
+        </p:nvCxnSpPr>
+        <p:spPr>
+          <a:xfrm flipH="1" flipV="1">
+            <a:off x="2362200" y="838200"/>
+            <a:ext cx="3276600" cy="914400"/>
+          </a:xfrm>
+          <a:prstGeom prst="straightConnector1">
+            <a:avLst/>
+          </a:prstGeom>
+          <a:ln>
+            <a:tailEnd type="arrow"/>
+          </a:ln>
+        </p:spPr>
+        <p:style>
+          <a:lnRef idx="1">
+            <a:schemeClr val="accent1"/>
+          </a:lnRef>
+          <a:fillRef idx="0">
+            <a:schemeClr val="accent1"/>
+          </a:fillRef>
+          <a:effectRef idx="0">
+            <a:schemeClr val="accent1"/>
+          </a:effectRef>
+          <a:fontRef idx="minor">
+            <a:schemeClr val="tx1"/>
+          </a:fontRef>
+        </p:style>
+      </p:cxnSp>
+    </p:spTree>
+  </p:cSld>
+  <p:clrMapOvr>
+    <a:masterClrMapping/>
+  </p:clrMapOvr>
+</p:sld>
+</file>
+
+<file path=ppt/slides/slide15.xml><?xml version="1.0" encoding="utf-8"?>
+<p:sld xmlns:a="http://schemas.openxmlformats.org/drawingml/2006/main" xmlns:r="http://schemas.openxmlformats.org/officeDocument/2006/relationships" xmlns:p="http://schemas.openxmlformats.org/presentationml/2006/main">
+  <p:cSld>
+    <p:spTree>
+      <p:nvGrpSpPr>
+        <p:cNvPr id="1" name=""/>
+        <p:cNvGrpSpPr/>
+        <p:nvPr/>
+      </p:nvGrpSpPr>
+      <p:grpSpPr>
+        <a:xfrm>
+          <a:off x="0" y="0"/>
+          <a:ext cx="0" cy="0"/>
+          <a:chOff x="0" y="0"/>
+          <a:chExt cx="0" cy="0"/>
+        </a:xfrm>
+      </p:grpSpPr>
+      <p:sp>
+        <p:nvSpPr>
+          <p:cNvPr id="2" name="Title 1"/>
+          <p:cNvSpPr>
+            <a:spLocks noGrp="1"/>
+          </p:cNvSpPr>
+          <p:nvPr>
+            <p:ph type="title"/>
+          </p:nvPr>
+        </p:nvSpPr>
+        <p:spPr/>
+        <p:txBody>
+          <a:bodyPr/>
+          <a:lstStyle/>
+          <a:p>
+            <a:pPr algn="ctr"/>
+            <a:r>
+              <a:rPr lang="en-US" dirty="0" smtClean="0"/>
+              <a:t>Interactivity</a:t>
+            </a:r>
+            <a:endParaRPr lang="en-US" dirty="0"/>
+          </a:p>
+        </p:txBody>
+      </p:sp>
+      <p:pic>
+        <p:nvPicPr>
+          <p:cNvPr id="5" name="Content Placeholder 4" descr="ThreadlessInteractivity1.jpg"/>
+          <p:cNvPicPr>
+            <a:picLocks noGrp="1" noChangeAspect="1"/>
+          </p:cNvPicPr>
+          <p:nvPr>
+            <p:ph idx="1"/>
+          </p:nvPr>
+        </p:nvPicPr>
+        <p:blipFill>
+          <a:blip r:embed="rId2" cstate="print"/>
+          <a:stretch>
+            <a:fillRect/>
+          </a:stretch>
+        </p:blipFill>
+        <p:spPr>
+          <a:xfrm>
+            <a:off x="3581400" y="1143000"/>
+            <a:ext cx="5111750" cy="4836925"/>
+          </a:xfrm>
+        </p:spPr>
+      </p:pic>
+      <p:sp>
+        <p:nvSpPr>
+          <p:cNvPr id="4" name="Text Placeholder 3"/>
+          <p:cNvSpPr>
+            <a:spLocks noGrp="1"/>
+          </p:cNvSpPr>
+          <p:nvPr>
+            <p:ph type="body" sz="half" idx="2"/>
+          </p:nvPr>
+        </p:nvSpPr>
+        <p:spPr/>
+        <p:txBody>
+          <a:bodyPr/>
+          <a:lstStyle/>
+          <a:p>
+            <a:r>
+              <a:rPr lang="en-US" dirty="0" smtClean="0"/>
+              <a:t>Main tabs have drop-down menus. Mouse-over highlights your selection.</a:t>
+            </a:r>
+          </a:p>
+          <a:p>
+            <a:endParaRPr lang="en-US" dirty="0" smtClean="0"/>
+          </a:p>
+          <a:p>
+            <a:r>
+              <a:rPr lang="en-US" dirty="0" smtClean="0"/>
+              <a:t>There are arrows that you can select  to scroll through the main images. You can also click the circles to browse.</a:t>
+            </a:r>
+          </a:p>
+          <a:p>
+            <a:endParaRPr lang="en-US" dirty="0" smtClean="0"/>
+          </a:p>
+          <a:p>
+            <a:r>
+              <a:rPr lang="en-US" dirty="0" smtClean="0"/>
+              <a:t>The main image also has links to select.</a:t>
+            </a:r>
+          </a:p>
+          <a:p>
+            <a:endParaRPr lang="en-US" dirty="0" smtClean="0"/>
+          </a:p>
+          <a:p>
+            <a:r>
+              <a:rPr lang="en-US" dirty="0" smtClean="0"/>
+              <a:t>Clicking on a shirt will bring you to a new page to show you more details about the shirt.</a:t>
+            </a:r>
+          </a:p>
+          <a:p>
+            <a:endParaRPr lang="en-US" dirty="0" smtClean="0"/>
+          </a:p>
+          <a:p>
+            <a:r>
+              <a:rPr lang="en-US" dirty="0" smtClean="0"/>
+              <a:t>The top grey tab allows you to change the language. You can also join the community by registering with the site.</a:t>
+            </a:r>
+            <a:endParaRPr lang="en-US" dirty="0"/>
+          </a:p>
+        </p:txBody>
+      </p:sp>
+      <p:cxnSp>
+        <p:nvCxnSpPr>
+          <p:cNvPr id="7" name="Straight Arrow Connector 6"/>
+          <p:cNvCxnSpPr/>
+          <p:nvPr/>
+        </p:nvCxnSpPr>
+        <p:spPr>
+          <a:xfrm>
+            <a:off x="3352800" y="1676400"/>
+            <a:ext cx="3124200" cy="76200"/>
+          </a:xfrm>
+          <a:prstGeom prst="straightConnector1">
+            <a:avLst/>
+          </a:prstGeom>
+          <a:ln>
+            <a:tailEnd type="arrow"/>
+          </a:ln>
+        </p:spPr>
+        <p:style>
+          <a:lnRef idx="1">
+            <a:schemeClr val="accent1"/>
+          </a:lnRef>
+          <a:fillRef idx="0">
+            <a:schemeClr val="accent1"/>
+          </a:fillRef>
+          <a:effectRef idx="0">
+            <a:schemeClr val="accent1"/>
+          </a:effectRef>
+          <a:fontRef idx="minor">
+            <a:schemeClr val="tx1"/>
+          </a:fontRef>
+        </p:style>
+      </p:cxnSp>
+      <p:cxnSp>
+        <p:nvCxnSpPr>
+          <p:cNvPr id="9" name="Straight Arrow Connector 8"/>
+          <p:cNvCxnSpPr/>
+          <p:nvPr/>
+        </p:nvCxnSpPr>
+        <p:spPr>
+          <a:xfrm>
+            <a:off x="3429000" y="2514600"/>
+            <a:ext cx="457200" cy="533400"/>
+          </a:xfrm>
+          <a:prstGeom prst="straightConnector1">
+            <a:avLst/>
+          </a:prstGeom>
+          <a:ln>
+            <a:tailEnd type="arrow"/>
+          </a:ln>
+        </p:spPr>
+        <p:style>
+          <a:lnRef idx="1">
+            <a:schemeClr val="accent1"/>
+          </a:lnRef>
+          <a:fillRef idx="0">
+            <a:schemeClr val="accent1"/>
+          </a:fillRef>
+          <a:effectRef idx="0">
+            <a:schemeClr val="accent1"/>
+          </a:effectRef>
+          <a:fontRef idx="minor">
+            <a:schemeClr val="tx1"/>
+          </a:fontRef>
+        </p:style>
+      </p:cxnSp>
+      <p:cxnSp>
+        <p:nvCxnSpPr>
+          <p:cNvPr id="11" name="Straight Arrow Connector 10"/>
+          <p:cNvCxnSpPr/>
+          <p:nvPr/>
+        </p:nvCxnSpPr>
+        <p:spPr>
+          <a:xfrm>
+            <a:off x="3429000" y="2514600"/>
+            <a:ext cx="685800" cy="1828800"/>
+          </a:xfrm>
+          <a:prstGeom prst="straightConnector1">
+            <a:avLst/>
+          </a:prstGeom>
+          <a:ln>
+            <a:tailEnd type="arrow"/>
+          </a:ln>
+        </p:spPr>
+        <p:style>
+          <a:lnRef idx="1">
+            <a:schemeClr val="accent1"/>
+          </a:lnRef>
+          <a:fillRef idx="0">
+            <a:schemeClr val="accent1"/>
+          </a:fillRef>
+          <a:effectRef idx="0">
+            <a:schemeClr val="accent1"/>
+          </a:effectRef>
+          <a:fontRef idx="minor">
+            <a:schemeClr val="tx1"/>
+          </a:fontRef>
+        </p:style>
+      </p:cxnSp>
+      <p:cxnSp>
+        <p:nvCxnSpPr>
+          <p:cNvPr id="14" name="Straight Arrow Connector 13"/>
+          <p:cNvCxnSpPr/>
+          <p:nvPr/>
+        </p:nvCxnSpPr>
+        <p:spPr>
+          <a:xfrm>
+            <a:off x="2971800" y="3352800"/>
+            <a:ext cx="3810000" cy="533400"/>
+          </a:xfrm>
+          <a:prstGeom prst="straightConnector1">
+            <a:avLst/>
+          </a:prstGeom>
+          <a:ln>
+            <a:tailEnd type="arrow"/>
+          </a:ln>
+        </p:spPr>
+        <p:style>
+          <a:lnRef idx="1">
+            <a:schemeClr val="accent1"/>
+          </a:lnRef>
+          <a:fillRef idx="0">
+            <a:schemeClr val="accent1"/>
+          </a:fillRef>
+          <a:effectRef idx="0">
+            <a:schemeClr val="accent1"/>
+          </a:effectRef>
+          <a:fontRef idx="minor">
+            <a:schemeClr val="tx1"/>
+          </a:fontRef>
+        </p:style>
+      </p:cxnSp>
+      <p:sp>
+        <p:nvSpPr>
+          <p:cNvPr id="15" name="Rectangle 14"/>
+          <p:cNvSpPr/>
+          <p:nvPr/>
+        </p:nvSpPr>
+        <p:spPr>
+          <a:xfrm>
+            <a:off x="7162800" y="1066800"/>
+            <a:ext cx="1143000" cy="228600"/>
+          </a:xfrm>
+          <a:prstGeom prst="rect">
+            <a:avLst/>
+          </a:prstGeom>
+          <a:noFill/>
+        </p:spPr>
+        <p:style>
+          <a:lnRef idx="2">
+            <a:schemeClr val="accent1">
+              <a:shade val="50000"/>
+            </a:schemeClr>
+          </a:lnRef>
+          <a:fillRef idx="1">
+            <a:schemeClr val="accent1"/>
+          </a:fillRef>
+          <a:effectRef idx="0">
+            <a:schemeClr val="accent1"/>
+          </a:effectRef>
+          <a:fontRef idx="minor">
+            <a:schemeClr val="lt1"/>
+          </a:fontRef>
+        </p:style>
+        <p:txBody>
+          <a:bodyPr rtlCol="0" anchor="ctr"/>
+          <a:lstStyle/>
+          <a:p>
+            <a:pPr algn="ctr"/>
+            <a:endParaRPr lang="en-US"/>
+          </a:p>
+        </p:txBody>
+      </p:sp>
+    </p:spTree>
+  </p:cSld>
+  <p:clrMapOvr>
+    <a:masterClrMapping/>
+  </p:clrMapOvr>
+</p:sld>
+</file>
+
+<file path=ppt/slides/slide16.xml><?xml version="1.0" encoding="utf-8"?>
+<p:sld xmlns:a="http://schemas.openxmlformats.org/drawingml/2006/main" xmlns:r="http://schemas.openxmlformats.org/officeDocument/2006/relationships" xmlns:p="http://schemas.openxmlformats.org/presentationml/2006/main">
+  <p:cSld>
+    <p:spTree>
+      <p:nvGrpSpPr>
+        <p:cNvPr id="1" name=""/>
+        <p:cNvGrpSpPr/>
+        <p:nvPr/>
+      </p:nvGrpSpPr>
+      <p:grpSpPr>
+        <a:xfrm>
+          <a:off x="0" y="0"/>
+          <a:ext cx="0" cy="0"/>
+          <a:chOff x="0" y="0"/>
+          <a:chExt cx="0" cy="0"/>
+        </a:xfrm>
+      </p:grpSpPr>
+      <p:sp>
+        <p:nvSpPr>
+          <p:cNvPr id="2" name="Title 1"/>
+          <p:cNvSpPr>
+            <a:spLocks noGrp="1"/>
+          </p:cNvSpPr>
+          <p:nvPr>
+            <p:ph type="title"/>
+          </p:nvPr>
+        </p:nvSpPr>
+        <p:spPr>
+          <a:xfrm>
+            <a:off x="914400" y="228600"/>
+            <a:ext cx="3008313" cy="488950"/>
+          </a:xfrm>
+        </p:spPr>
+        <p:txBody>
+          <a:bodyPr/>
+          <a:lstStyle/>
+          <a:p>
+            <a:pPr algn="ctr"/>
+            <a:r>
+              <a:rPr lang="en-US" dirty="0" smtClean="0"/>
+              <a:t>Navigation</a:t>
+            </a:r>
+            <a:endParaRPr lang="en-US" dirty="0"/>
+          </a:p>
+        </p:txBody>
+      </p:sp>
+      <p:sp>
+        <p:nvSpPr>
+          <p:cNvPr id="4" name="Text Placeholder 3"/>
+          <p:cNvSpPr>
+            <a:spLocks noGrp="1"/>
+          </p:cNvSpPr>
+          <p:nvPr>
+            <p:ph type="body" sz="half" idx="2"/>
+          </p:nvPr>
+        </p:nvSpPr>
+        <p:spPr>
+          <a:xfrm>
+            <a:off x="457200" y="838200"/>
+            <a:ext cx="3886200" cy="3886200"/>
+          </a:xfrm>
+        </p:spPr>
+        <p:txBody>
+          <a:bodyPr/>
+          <a:lstStyle/>
+          <a:p>
+            <a:r>
+              <a:rPr lang="en-US" dirty="0" smtClean="0"/>
+              <a:t>Easy to find what you want. Selections are on the side tab for what kind of shirt you want, </a:t>
+            </a:r>
+            <a:r>
+              <a:rPr lang="en-US" smtClean="0"/>
+              <a:t>including size, color, etc..</a:t>
+            </a:r>
+            <a:endParaRPr lang="en-US" dirty="0" smtClean="0"/>
+          </a:p>
+          <a:p>
+            <a:endParaRPr lang="en-US" dirty="0" smtClean="0"/>
+          </a:p>
+          <a:p>
+            <a:r>
+              <a:rPr lang="en-US" dirty="0" smtClean="0"/>
+              <a:t>Selecting a shirt will bring you to that shirt’s page.</a:t>
+            </a:r>
+          </a:p>
+          <a:p>
+            <a:endParaRPr lang="en-US" dirty="0" smtClean="0"/>
+          </a:p>
+          <a:p>
+            <a:r>
+              <a:rPr lang="en-US" dirty="0" smtClean="0"/>
+              <a:t>You can also select the designer’s name to see more of his/her works.</a:t>
+            </a:r>
+          </a:p>
+          <a:p>
+            <a:endParaRPr lang="en-US" dirty="0" smtClean="0"/>
+          </a:p>
+          <a:p>
+            <a:r>
+              <a:rPr lang="en-US" dirty="0" smtClean="0"/>
+              <a:t>You can browse through all the pages of shirts available.</a:t>
+            </a:r>
+            <a:endParaRPr lang="en-US" dirty="0"/>
+          </a:p>
+        </p:txBody>
+      </p:sp>
+      <p:pic>
+        <p:nvPicPr>
+          <p:cNvPr id="5122" name="Picture 2" descr="C:\Users\Phil\Pictures\Cogs 187\ThreadlessNavigation1.jpg"/>
+          <p:cNvPicPr>
+            <a:picLocks noChangeAspect="1" noChangeArrowheads="1"/>
+          </p:cNvPicPr>
+          <p:nvPr/>
+        </p:nvPicPr>
+        <p:blipFill>
+          <a:blip r:embed="rId2" cstate="print"/>
+          <a:srcRect/>
+          <a:stretch>
+            <a:fillRect/>
+          </a:stretch>
+        </p:blipFill>
+        <p:spPr bwMode="auto">
+          <a:xfrm>
+            <a:off x="228600" y="4724400"/>
+            <a:ext cx="4495800" cy="1871508"/>
+          </a:xfrm>
+          <a:prstGeom prst="rect">
+            <a:avLst/>
+          </a:prstGeom>
+          <a:noFill/>
+        </p:spPr>
+      </p:pic>
+      <p:pic>
+        <p:nvPicPr>
+          <p:cNvPr id="5123" name="Picture 3" descr="C:\Users\Phil\Pictures\Cogs 187\ThreadlessNavigation2.jpg"/>
+          <p:cNvPicPr>
+            <a:picLocks noChangeAspect="1" noChangeArrowheads="1"/>
+          </p:cNvPicPr>
+          <p:nvPr/>
+        </p:nvPicPr>
+        <p:blipFill>
+          <a:blip r:embed="rId3" cstate="print"/>
+          <a:srcRect/>
+          <a:stretch>
+            <a:fillRect/>
+          </a:stretch>
+        </p:blipFill>
+        <p:spPr bwMode="auto">
+          <a:xfrm>
+            <a:off x="4509179" y="0"/>
+            <a:ext cx="4634821" cy="5086351"/>
+          </a:xfrm>
+          <a:prstGeom prst="rect">
+            <a:avLst/>
+          </a:prstGeom>
+          <a:noFill/>
+        </p:spPr>
+      </p:pic>
+      <p:sp>
+        <p:nvSpPr>
+          <p:cNvPr id="7" name="Rectangle 6"/>
+          <p:cNvSpPr/>
+          <p:nvPr/>
+        </p:nvSpPr>
+        <p:spPr>
+          <a:xfrm>
+            <a:off x="4572000" y="0"/>
+            <a:ext cx="685800" cy="5105400"/>
+          </a:xfrm>
+          <a:prstGeom prst="rect">
+            <a:avLst/>
+          </a:prstGeom>
+          <a:noFill/>
+        </p:spPr>
+        <p:style>
+          <a:lnRef idx="2">
+            <a:schemeClr val="accent1">
+              <a:shade val="50000"/>
+            </a:schemeClr>
+          </a:lnRef>
+          <a:fillRef idx="1">
+            <a:schemeClr val="accent1"/>
+          </a:fillRef>
+          <a:effectRef idx="0">
+            <a:schemeClr val="accent1"/>
+          </a:effectRef>
+          <a:fontRef idx="minor">
+            <a:schemeClr val="lt1"/>
+          </a:fontRef>
+        </p:style>
+        <p:txBody>
+          <a:bodyPr rtlCol="0" anchor="ctr"/>
+          <a:lstStyle/>
+          <a:p>
+            <a:pPr algn="ctr"/>
+            <a:endParaRPr lang="en-US"/>
+          </a:p>
+        </p:txBody>
+      </p:sp>
+      <p:cxnSp>
+        <p:nvCxnSpPr>
+          <p:cNvPr id="9" name="Straight Arrow Connector 8"/>
+          <p:cNvCxnSpPr/>
+          <p:nvPr/>
+        </p:nvCxnSpPr>
+        <p:spPr>
+          <a:xfrm flipV="1">
+            <a:off x="3886200" y="1447800"/>
+            <a:ext cx="2133600" cy="914400"/>
+          </a:xfrm>
+          <a:prstGeom prst="straightConnector1">
+            <a:avLst/>
+          </a:prstGeom>
+          <a:ln>
+            <a:tailEnd type="arrow"/>
+          </a:ln>
+        </p:spPr>
+        <p:style>
+          <a:lnRef idx="1">
+            <a:schemeClr val="accent1"/>
+          </a:lnRef>
+          <a:fillRef idx="0">
+            <a:schemeClr val="accent1"/>
+          </a:fillRef>
+          <a:effectRef idx="0">
+            <a:schemeClr val="accent1"/>
+          </a:effectRef>
+          <a:fontRef idx="minor">
+            <a:schemeClr val="tx1"/>
+          </a:fontRef>
+        </p:style>
+      </p:cxnSp>
+      <p:sp>
+        <p:nvSpPr>
+          <p:cNvPr id="10" name="Rectangle 9"/>
+          <p:cNvSpPr/>
+          <p:nvPr/>
+        </p:nvSpPr>
+        <p:spPr>
+          <a:xfrm>
+            <a:off x="6019800" y="1371600"/>
+            <a:ext cx="762000" cy="152400"/>
+          </a:xfrm>
+          <a:prstGeom prst="rect">
+            <a:avLst/>
+          </a:prstGeom>
+          <a:noFill/>
+        </p:spPr>
+        <p:style>
+          <a:lnRef idx="2">
+            <a:schemeClr val="accent1">
+              <a:shade val="50000"/>
+            </a:schemeClr>
+          </a:lnRef>
+          <a:fillRef idx="1">
+            <a:schemeClr val="accent1"/>
+          </a:fillRef>
+          <a:effectRef idx="0">
+            <a:schemeClr val="accent1"/>
+          </a:effectRef>
+          <a:fontRef idx="minor">
+            <a:schemeClr val="lt1"/>
+          </a:fontRef>
+        </p:style>
+        <p:txBody>
+          <a:bodyPr rtlCol="0" anchor="ctr"/>
+          <a:lstStyle/>
+          <a:p>
+            <a:pPr algn="ctr"/>
+            <a:endParaRPr lang="en-US"/>
+          </a:p>
+        </p:txBody>
+      </p:sp>
+      <p:cxnSp>
+        <p:nvCxnSpPr>
+          <p:cNvPr id="12" name="Elbow Connector 11"/>
+          <p:cNvCxnSpPr/>
+          <p:nvPr/>
+        </p:nvCxnSpPr>
+        <p:spPr>
+          <a:xfrm flipV="1">
+            <a:off x="3962400" y="152400"/>
+            <a:ext cx="3886200" cy="2971800"/>
+          </a:xfrm>
+          <a:prstGeom prst="bentConnector3">
+            <a:avLst>
+              <a:gd name="adj1" fmla="val 92121"/>
+            </a:avLst>
+          </a:prstGeom>
+          <a:ln>
+            <a:tailEnd type="arrow"/>
+          </a:ln>
+        </p:spPr>
+        <p:style>
+          <a:lnRef idx="1">
+            <a:schemeClr val="accent1"/>
+          </a:lnRef>
+          <a:fillRef idx="0">
+            <a:schemeClr val="accent1"/>
+          </a:fillRef>
+          <a:effectRef idx="0">
+            <a:schemeClr val="accent1"/>
+          </a:effectRef>
+          <a:fontRef idx="minor">
+            <a:schemeClr val="tx1"/>
+          </a:fontRef>
+        </p:style>
+      </p:cxnSp>
+      <p:sp>
+        <p:nvSpPr>
+          <p:cNvPr id="21" name="TextBox 20"/>
+          <p:cNvSpPr txBox="1"/>
+          <p:nvPr/>
+        </p:nvSpPr>
+        <p:spPr>
+          <a:xfrm>
+            <a:off x="4800600" y="5257800"/>
+            <a:ext cx="3962400" cy="523220"/>
+          </a:xfrm>
+          <a:prstGeom prst="rect">
+            <a:avLst/>
+          </a:prstGeom>
+          <a:noFill/>
+        </p:spPr>
+        <p:txBody>
+          <a:bodyPr wrap="square" rtlCol="0">
+            <a:spAutoFit/>
+          </a:bodyPr>
+          <a:lstStyle/>
+          <a:p>
+            <a:r>
+              <a:rPr lang="en-US" sz="1400" dirty="0" smtClean="0"/>
+              <a:t>There is also a section at the bottom of the site with every link.</a:t>
+            </a:r>
+            <a:endParaRPr lang="en-US" sz="1400" dirty="0"/>
+          </a:p>
+        </p:txBody>
+      </p:sp>
+    </p:spTree>
+  </p:cSld>
+  <p:clrMapOvr>
+    <a:masterClrMapping/>
+  </p:clrMapOvr>
+</p:sld>
+</file>
+
 <file path=ppt/slides/slide2.xml><?xml version="1.0" encoding="utf-8"?>
 <p:sld xmlns:a="http://schemas.openxmlformats.org/drawingml/2006/main" xmlns:r="http://schemas.openxmlformats.org/officeDocument/2006/relationships" xmlns:p="http://schemas.openxmlformats.org/presentationml/2006/main">
   <p:cSld>
@@ -3965,6 +5943,664 @@
           </a:p>
         </p:txBody>
       </p:sp>
+    </p:spTree>
+  </p:cSld>
+  <p:clrMapOvr>
+    <a:masterClrMapping/>
+  </p:clrMapOvr>
+</p:sld>
+</file>
+
+<file path=ppt/slides/slide7.xml><?xml version="1.0" encoding="utf-8"?>
+<p:sld xmlns:a="http://schemas.openxmlformats.org/drawingml/2006/main" xmlns:r="http://schemas.openxmlformats.org/officeDocument/2006/relationships" xmlns:p="http://schemas.openxmlformats.org/presentationml/2006/main">
+  <p:cSld>
+    <p:spTree>
+      <p:nvGrpSpPr>
+        <p:cNvPr id="1" name=""/>
+        <p:cNvGrpSpPr/>
+        <p:nvPr/>
+      </p:nvGrpSpPr>
+      <p:grpSpPr>
+        <a:xfrm>
+          <a:off x="0" y="0"/>
+          <a:ext cx="0" cy="0"/>
+          <a:chOff x="0" y="0"/>
+          <a:chExt cx="0" cy="0"/>
+        </a:xfrm>
+      </p:grpSpPr>
+      <p:sp>
+        <p:nvSpPr>
+          <p:cNvPr id="2" name="Title 1"/>
+          <p:cNvSpPr>
+            <a:spLocks noGrp="1"/>
+          </p:cNvSpPr>
+          <p:nvPr>
+            <p:ph type="title"/>
+          </p:nvPr>
+        </p:nvSpPr>
+        <p:spPr/>
+        <p:txBody>
+          <a:bodyPr/>
+          <a:lstStyle/>
+          <a:p>
+            <a:r>
+              <a:rPr lang="en-US" dirty="0" smtClean="0"/>
+              <a:t>Muse</a:t>
+            </a:r>
+            <a:endParaRPr lang="en-US" dirty="0"/>
+          </a:p>
+        </p:txBody>
+      </p:sp>
+      <p:pic>
+        <p:nvPicPr>
+          <p:cNvPr id="5" name="Picture Placeholder 4" descr="MuseHome.jpg"/>
+          <p:cNvPicPr>
+            <a:picLocks noGrp="1" noChangeAspect="1"/>
+          </p:cNvPicPr>
+          <p:nvPr>
+            <p:ph type="pic" idx="1"/>
+          </p:nvPr>
+        </p:nvPicPr>
+        <p:blipFill>
+          <a:blip r:embed="rId2" cstate="print"/>
+          <a:srcRect l="15783" r="15783"/>
+          <a:stretch>
+            <a:fillRect/>
+          </a:stretch>
+        </p:blipFill>
+        <p:spPr/>
+      </p:pic>
+      <p:sp>
+        <p:nvSpPr>
+          <p:cNvPr id="4" name="Text Placeholder 3"/>
+          <p:cNvSpPr>
+            <a:spLocks noGrp="1"/>
+          </p:cNvSpPr>
+          <p:nvPr>
+            <p:ph type="body" sz="half" idx="2"/>
+          </p:nvPr>
+        </p:nvSpPr>
+        <p:spPr/>
+        <p:txBody>
+          <a:bodyPr>
+            <a:normAutofit lnSpcReduction="10000"/>
+          </a:bodyPr>
+          <a:lstStyle/>
+          <a:p>
+            <a:r>
+              <a:rPr lang="en-US" dirty="0" smtClean="0">
+                <a:hlinkClick r:id="rId3"/>
+              </a:rPr>
+              <a:t>www.muse.mu</a:t>
+            </a:r>
+            <a:endParaRPr lang="en-US" dirty="0" smtClean="0"/>
+          </a:p>
+          <a:p>
+            <a:r>
+              <a:rPr lang="en-US" dirty="0" smtClean="0"/>
+              <a:t>Date Visited: 1/17/12</a:t>
+            </a:r>
+          </a:p>
+          <a:p>
+            <a:r>
+              <a:rPr lang="en-US" dirty="0" smtClean="0"/>
+              <a:t>Layout – Power Grid</a:t>
+            </a:r>
+            <a:endParaRPr lang="en-US" dirty="0"/>
+          </a:p>
+        </p:txBody>
+      </p:sp>
+    </p:spTree>
+  </p:cSld>
+  <p:clrMapOvr>
+    <a:masterClrMapping/>
+  </p:clrMapOvr>
+</p:sld>
+</file>
+
+<file path=ppt/slides/slide8.xml><?xml version="1.0" encoding="utf-8"?>
+<p:sld xmlns:a="http://schemas.openxmlformats.org/drawingml/2006/main" xmlns:r="http://schemas.openxmlformats.org/officeDocument/2006/relationships" xmlns:p="http://schemas.openxmlformats.org/presentationml/2006/main">
+  <p:cSld>
+    <p:spTree>
+      <p:nvGrpSpPr>
+        <p:cNvPr id="1" name=""/>
+        <p:cNvGrpSpPr/>
+        <p:nvPr/>
+      </p:nvGrpSpPr>
+      <p:grpSpPr>
+        <a:xfrm>
+          <a:off x="0" y="0"/>
+          <a:ext cx="0" cy="0"/>
+          <a:chOff x="0" y="0"/>
+          <a:chExt cx="0" cy="0"/>
+        </a:xfrm>
+      </p:grpSpPr>
+      <p:sp>
+        <p:nvSpPr>
+          <p:cNvPr id="2" name="Title 1"/>
+          <p:cNvSpPr>
+            <a:spLocks noGrp="1"/>
+          </p:cNvSpPr>
+          <p:nvPr>
+            <p:ph type="title"/>
+          </p:nvPr>
+        </p:nvSpPr>
+        <p:spPr/>
+        <p:txBody>
+          <a:bodyPr/>
+          <a:lstStyle/>
+          <a:p>
+            <a:pPr algn="ctr"/>
+            <a:r>
+              <a:rPr lang="en-US" dirty="0" smtClean="0"/>
+              <a:t>Brand</a:t>
+            </a:r>
+            <a:endParaRPr lang="en-US" dirty="0"/>
+          </a:p>
+        </p:txBody>
+      </p:sp>
+      <p:pic>
+        <p:nvPicPr>
+          <p:cNvPr id="5" name="Content Placeholder 4" descr="MuseHome.jpg"/>
+          <p:cNvPicPr>
+            <a:picLocks noGrp="1" noChangeAspect="1"/>
+          </p:cNvPicPr>
+          <p:nvPr>
+            <p:ph idx="1"/>
+          </p:nvPr>
+        </p:nvPicPr>
+        <p:blipFill>
+          <a:blip r:embed="rId2" cstate="print"/>
+          <a:srcRect l="17439" r="17789"/>
+          <a:stretch>
+            <a:fillRect/>
+          </a:stretch>
+        </p:blipFill>
+        <p:spPr>
+          <a:xfrm>
+            <a:off x="3581400" y="1524000"/>
+            <a:ext cx="5096632" cy="4038600"/>
+          </a:xfrm>
+        </p:spPr>
+      </p:pic>
+      <p:sp>
+        <p:nvSpPr>
+          <p:cNvPr id="4" name="Text Placeholder 3"/>
+          <p:cNvSpPr>
+            <a:spLocks noGrp="1"/>
+          </p:cNvSpPr>
+          <p:nvPr>
+            <p:ph type="body" sz="half" idx="2"/>
+          </p:nvPr>
+        </p:nvSpPr>
+        <p:spPr/>
+        <p:txBody>
+          <a:bodyPr/>
+          <a:lstStyle/>
+          <a:p>
+            <a:r>
+              <a:rPr lang="en-US" dirty="0" smtClean="0"/>
+              <a:t>Professional -  The amount of info shows how prestigious they are.</a:t>
+            </a:r>
+          </a:p>
+          <a:p>
+            <a:endParaRPr lang="en-US" dirty="0" smtClean="0"/>
+          </a:p>
+          <a:p>
+            <a:r>
+              <a:rPr lang="en-US" dirty="0" smtClean="0"/>
+              <a:t>Social – Inviting you to become a member, join the forums, check out photos/videos, etc.</a:t>
+            </a:r>
+          </a:p>
+          <a:p>
+            <a:endParaRPr lang="en-US" dirty="0" smtClean="0"/>
+          </a:p>
+          <a:p>
+            <a:endParaRPr lang="en-US" dirty="0" smtClean="0"/>
+          </a:p>
+          <a:p>
+            <a:endParaRPr lang="en-US" dirty="0" smtClean="0"/>
+          </a:p>
+          <a:p>
+            <a:endParaRPr lang="en-US" dirty="0"/>
+          </a:p>
+        </p:txBody>
+      </p:sp>
+      <p:sp>
+        <p:nvSpPr>
+          <p:cNvPr id="6" name="Rectangle 5"/>
+          <p:cNvSpPr/>
+          <p:nvPr/>
+        </p:nvSpPr>
+        <p:spPr>
+          <a:xfrm>
+            <a:off x="7391400" y="1905000"/>
+            <a:ext cx="1219200" cy="3505200"/>
+          </a:xfrm>
+          <a:prstGeom prst="rect">
+            <a:avLst/>
+          </a:prstGeom>
+          <a:noFill/>
+        </p:spPr>
+        <p:style>
+          <a:lnRef idx="2">
+            <a:schemeClr val="accent1">
+              <a:shade val="50000"/>
+            </a:schemeClr>
+          </a:lnRef>
+          <a:fillRef idx="1">
+            <a:schemeClr val="accent1"/>
+          </a:fillRef>
+          <a:effectRef idx="0">
+            <a:schemeClr val="accent1"/>
+          </a:effectRef>
+          <a:fontRef idx="minor">
+            <a:schemeClr val="lt1"/>
+          </a:fontRef>
+        </p:style>
+        <p:txBody>
+          <a:bodyPr rtlCol="0" anchor="ctr"/>
+          <a:lstStyle/>
+          <a:p>
+            <a:pPr algn="ctr"/>
+            <a:endParaRPr lang="en-US"/>
+          </a:p>
+        </p:txBody>
+      </p:sp>
+      <p:sp>
+        <p:nvSpPr>
+          <p:cNvPr id="7" name="Rectangle 6"/>
+          <p:cNvSpPr/>
+          <p:nvPr/>
+        </p:nvSpPr>
+        <p:spPr>
+          <a:xfrm>
+            <a:off x="3657600" y="3505200"/>
+            <a:ext cx="1295400" cy="1828800"/>
+          </a:xfrm>
+          <a:prstGeom prst="rect">
+            <a:avLst/>
+          </a:prstGeom>
+          <a:noFill/>
+        </p:spPr>
+        <p:style>
+          <a:lnRef idx="2">
+            <a:schemeClr val="accent1">
+              <a:shade val="50000"/>
+            </a:schemeClr>
+          </a:lnRef>
+          <a:fillRef idx="1">
+            <a:schemeClr val="accent1"/>
+          </a:fillRef>
+          <a:effectRef idx="0">
+            <a:schemeClr val="accent1"/>
+          </a:effectRef>
+          <a:fontRef idx="minor">
+            <a:schemeClr val="lt1"/>
+          </a:fontRef>
+        </p:style>
+        <p:txBody>
+          <a:bodyPr rtlCol="0" anchor="ctr"/>
+          <a:lstStyle/>
+          <a:p>
+            <a:pPr algn="ctr"/>
+            <a:endParaRPr lang="en-US"/>
+          </a:p>
+        </p:txBody>
+      </p:sp>
+    </p:spTree>
+  </p:cSld>
+  <p:clrMapOvr>
+    <a:masterClrMapping/>
+  </p:clrMapOvr>
+</p:sld>
+</file>
+
+<file path=ppt/slides/slide9.xml><?xml version="1.0" encoding="utf-8"?>
+<p:sld xmlns:a="http://schemas.openxmlformats.org/drawingml/2006/main" xmlns:r="http://schemas.openxmlformats.org/officeDocument/2006/relationships" xmlns:p="http://schemas.openxmlformats.org/presentationml/2006/main">
+  <p:cSld>
+    <p:spTree>
+      <p:nvGrpSpPr>
+        <p:cNvPr id="1" name=""/>
+        <p:cNvGrpSpPr/>
+        <p:nvPr/>
+      </p:nvGrpSpPr>
+      <p:grpSpPr>
+        <a:xfrm>
+          <a:off x="0" y="0"/>
+          <a:ext cx="0" cy="0"/>
+          <a:chOff x="0" y="0"/>
+          <a:chExt cx="0" cy="0"/>
+        </a:xfrm>
+      </p:grpSpPr>
+      <p:sp>
+        <p:nvSpPr>
+          <p:cNvPr id="2" name="Title 1"/>
+          <p:cNvSpPr>
+            <a:spLocks noGrp="1"/>
+          </p:cNvSpPr>
+          <p:nvPr>
+            <p:ph type="title"/>
+          </p:nvPr>
+        </p:nvSpPr>
+        <p:spPr>
+          <a:xfrm>
+            <a:off x="5715000" y="228600"/>
+            <a:ext cx="3008313" cy="1162050"/>
+          </a:xfrm>
+        </p:spPr>
+        <p:txBody>
+          <a:bodyPr/>
+          <a:lstStyle/>
+          <a:p>
+            <a:pPr algn="ctr"/>
+            <a:r>
+              <a:rPr lang="en-US" dirty="0" smtClean="0"/>
+              <a:t>Functionality</a:t>
+            </a:r>
+            <a:endParaRPr lang="en-US" dirty="0"/>
+          </a:p>
+        </p:txBody>
+      </p:sp>
+      <p:sp>
+        <p:nvSpPr>
+          <p:cNvPr id="4" name="Text Placeholder 3"/>
+          <p:cNvSpPr>
+            <a:spLocks noGrp="1"/>
+          </p:cNvSpPr>
+          <p:nvPr>
+            <p:ph type="body" sz="half" idx="2"/>
+          </p:nvPr>
+        </p:nvSpPr>
+        <p:spPr>
+          <a:xfrm>
+            <a:off x="5715000" y="1447800"/>
+            <a:ext cx="3008313" cy="4691063"/>
+          </a:xfrm>
+        </p:spPr>
+        <p:txBody>
+          <a:bodyPr/>
+          <a:lstStyle/>
+          <a:p>
+            <a:pPr algn="just"/>
+            <a:r>
+              <a:rPr lang="en-US" dirty="0" smtClean="0"/>
+              <a:t>Each tab opens up a new page with a sidebar. </a:t>
+            </a:r>
+          </a:p>
+          <a:p>
+            <a:pPr algn="just"/>
+            <a:endParaRPr lang="en-US" dirty="0" smtClean="0"/>
+          </a:p>
+          <a:p>
+            <a:pPr algn="just"/>
+            <a:r>
+              <a:rPr lang="en-US" dirty="0" smtClean="0"/>
+              <a:t>The links on the sidebar open up after being selected to reveal more options.</a:t>
+            </a:r>
+          </a:p>
+          <a:p>
+            <a:pPr algn="just"/>
+            <a:endParaRPr lang="en-US" dirty="0" smtClean="0"/>
+          </a:p>
+          <a:p>
+            <a:pPr algn="just"/>
+            <a:r>
+              <a:rPr lang="en-US" dirty="0" smtClean="0"/>
+              <a:t>Every picture </a:t>
+            </a:r>
+            <a:r>
+              <a:rPr lang="en-US" dirty="0" smtClean="0"/>
+              <a:t>on the right-hand side can be selected to view that piece of media.</a:t>
+            </a:r>
+          </a:p>
+          <a:p>
+            <a:pPr algn="just"/>
+            <a:endParaRPr lang="en-US" dirty="0" smtClean="0"/>
+          </a:p>
+          <a:p>
+            <a:pPr algn="just"/>
+            <a:r>
+              <a:rPr lang="en-US" dirty="0" smtClean="0"/>
+              <a:t>Different pages have similar layouts.</a:t>
+            </a:r>
+          </a:p>
+          <a:p>
+            <a:pPr algn="just"/>
+            <a:endParaRPr lang="en-US" dirty="0" smtClean="0"/>
+          </a:p>
+          <a:p>
+            <a:pPr algn="just"/>
+            <a:r>
+              <a:rPr lang="en-US" dirty="0" smtClean="0"/>
+              <a:t>This makes viewing every form of media easy.</a:t>
+            </a:r>
+            <a:endParaRPr lang="en-US" dirty="0" smtClean="0"/>
+          </a:p>
+        </p:txBody>
+      </p:sp>
+      <p:pic>
+        <p:nvPicPr>
+          <p:cNvPr id="8" name="Content Placeholder 7" descr="FreshIveyContact.jpg"/>
+          <p:cNvPicPr>
+            <a:picLocks noGrp="1" noChangeAspect="1"/>
+          </p:cNvPicPr>
+          <p:nvPr>
+            <p:ph idx="1"/>
+          </p:nvPr>
+        </p:nvPicPr>
+        <p:blipFill>
+          <a:blip r:embed="rId2" cstate="print"/>
+          <a:stretch>
+            <a:fillRect/>
+          </a:stretch>
+        </p:blipFill>
+        <p:spPr>
+          <a:xfrm>
+            <a:off x="384227" y="762000"/>
+            <a:ext cx="5183284" cy="2667000"/>
+          </a:xfrm>
+        </p:spPr>
+      </p:pic>
+      <p:pic>
+        <p:nvPicPr>
+          <p:cNvPr id="1026" name="Picture 2" descr="C:\Users\Phil\Pictures\Cogs 187\MuseFunctionality2.jpg"/>
+          <p:cNvPicPr>
+            <a:picLocks noChangeAspect="1" noChangeArrowheads="1"/>
+          </p:cNvPicPr>
+          <p:nvPr/>
+        </p:nvPicPr>
+        <p:blipFill>
+          <a:blip r:embed="rId3" cstate="print"/>
+          <a:srcRect/>
+          <a:stretch>
+            <a:fillRect/>
+          </a:stretch>
+        </p:blipFill>
+        <p:spPr bwMode="auto">
+          <a:xfrm>
+            <a:off x="381000" y="3657600"/>
+            <a:ext cx="5189837" cy="2667000"/>
+          </a:xfrm>
+          <a:prstGeom prst="rect">
+            <a:avLst/>
+          </a:prstGeom>
+          <a:noFill/>
+        </p:spPr>
+      </p:pic>
+      <p:cxnSp>
+        <p:nvCxnSpPr>
+          <p:cNvPr id="7" name="Straight Arrow Connector 6"/>
+          <p:cNvCxnSpPr/>
+          <p:nvPr/>
+        </p:nvCxnSpPr>
+        <p:spPr>
+          <a:xfrm flipH="1" flipV="1">
+            <a:off x="2743200" y="1143000"/>
+            <a:ext cx="2971800" cy="533400"/>
+          </a:xfrm>
+          <a:prstGeom prst="straightConnector1">
+            <a:avLst/>
+          </a:prstGeom>
+          <a:ln>
+            <a:tailEnd type="arrow"/>
+          </a:ln>
+        </p:spPr>
+        <p:style>
+          <a:lnRef idx="1">
+            <a:schemeClr val="accent1"/>
+          </a:lnRef>
+          <a:fillRef idx="0">
+            <a:schemeClr val="accent1"/>
+          </a:fillRef>
+          <a:effectRef idx="0">
+            <a:schemeClr val="accent1"/>
+          </a:effectRef>
+          <a:fontRef idx="minor">
+            <a:schemeClr val="tx1"/>
+          </a:fontRef>
+        </p:style>
+      </p:cxnSp>
+      <p:cxnSp>
+        <p:nvCxnSpPr>
+          <p:cNvPr id="10" name="Straight Arrow Connector 9"/>
+          <p:cNvCxnSpPr/>
+          <p:nvPr/>
+        </p:nvCxnSpPr>
+        <p:spPr>
+          <a:xfrm flipH="1" flipV="1">
+            <a:off x="2209800" y="1371600"/>
+            <a:ext cx="3505200" cy="1066800"/>
+          </a:xfrm>
+          <a:prstGeom prst="straightConnector1">
+            <a:avLst/>
+          </a:prstGeom>
+          <a:ln>
+            <a:tailEnd type="arrow"/>
+          </a:ln>
+        </p:spPr>
+        <p:style>
+          <a:lnRef idx="1">
+            <a:schemeClr val="accent1"/>
+          </a:lnRef>
+          <a:fillRef idx="0">
+            <a:schemeClr val="accent1"/>
+          </a:fillRef>
+          <a:effectRef idx="0">
+            <a:schemeClr val="accent1"/>
+          </a:effectRef>
+          <a:fontRef idx="minor">
+            <a:schemeClr val="tx1"/>
+          </a:fontRef>
+        </p:style>
+      </p:cxnSp>
+      <p:cxnSp>
+        <p:nvCxnSpPr>
+          <p:cNvPr id="12" name="Straight Arrow Connector 11"/>
+          <p:cNvCxnSpPr/>
+          <p:nvPr/>
+        </p:nvCxnSpPr>
+        <p:spPr>
+          <a:xfrm flipH="1" flipV="1">
+            <a:off x="4572000" y="2971800"/>
+            <a:ext cx="1143000" cy="228600"/>
+          </a:xfrm>
+          <a:prstGeom prst="straightConnector1">
+            <a:avLst/>
+          </a:prstGeom>
+          <a:ln>
+            <a:tailEnd type="arrow"/>
+          </a:ln>
+        </p:spPr>
+        <p:style>
+          <a:lnRef idx="1">
+            <a:schemeClr val="accent1"/>
+          </a:lnRef>
+          <a:fillRef idx="0">
+            <a:schemeClr val="accent1"/>
+          </a:fillRef>
+          <a:effectRef idx="0">
+            <a:schemeClr val="accent1"/>
+          </a:effectRef>
+          <a:fontRef idx="minor">
+            <a:schemeClr val="tx1"/>
+          </a:fontRef>
+        </p:style>
+      </p:cxnSp>
+      <p:sp>
+        <p:nvSpPr>
+          <p:cNvPr id="13" name="Rectangle 12"/>
+          <p:cNvSpPr/>
+          <p:nvPr/>
+        </p:nvSpPr>
+        <p:spPr>
+          <a:xfrm>
+            <a:off x="2209800" y="2514600"/>
+            <a:ext cx="2362200" cy="838200"/>
+          </a:xfrm>
+          <a:prstGeom prst="rect">
+            <a:avLst/>
+          </a:prstGeom>
+          <a:noFill/>
+        </p:spPr>
+        <p:style>
+          <a:lnRef idx="2">
+            <a:schemeClr val="accent1">
+              <a:shade val="50000"/>
+            </a:schemeClr>
+          </a:lnRef>
+          <a:fillRef idx="1">
+            <a:schemeClr val="accent1"/>
+          </a:fillRef>
+          <a:effectRef idx="0">
+            <a:schemeClr val="accent1"/>
+          </a:effectRef>
+          <a:fontRef idx="minor">
+            <a:schemeClr val="lt1"/>
+          </a:fontRef>
+        </p:style>
+        <p:txBody>
+          <a:bodyPr rtlCol="0" anchor="ctr"/>
+          <a:lstStyle/>
+          <a:p>
+            <a:pPr algn="ctr"/>
+            <a:endParaRPr lang="en-US"/>
+          </a:p>
+        </p:txBody>
+      </p:sp>
+      <p:cxnSp>
+        <p:nvCxnSpPr>
+          <p:cNvPr id="15" name="Straight Arrow Connector 14"/>
+          <p:cNvCxnSpPr/>
+          <p:nvPr/>
+        </p:nvCxnSpPr>
+        <p:spPr>
+          <a:xfrm flipH="1" flipV="1">
+            <a:off x="3048000" y="3962400"/>
+            <a:ext cx="2667000" cy="76200"/>
+          </a:xfrm>
+          <a:prstGeom prst="straightConnector1">
+            <a:avLst/>
+          </a:prstGeom>
+          <a:ln>
+            <a:tailEnd type="arrow"/>
+          </a:ln>
+        </p:spPr>
+        <p:style>
+          <a:lnRef idx="1">
+            <a:schemeClr val="accent1"/>
+          </a:lnRef>
+          <a:fillRef idx="0">
+            <a:schemeClr val="accent1"/>
+          </a:fillRef>
+          <a:effectRef idx="0">
+            <a:schemeClr val="accent1"/>
+          </a:effectRef>
+          <a:fontRef idx="minor">
+            <a:schemeClr val="tx1"/>
+          </a:fontRef>
+        </p:style>
+      </p:cxnSp>
     </p:spTree>
   </p:cSld>
   <p:clrMapOvr>

--- a/CompetitiveAnalysisPortfolios.pptx
+++ b/CompetitiveAnalysisPortfolios.pptx
@@ -21,6 +21,16 @@
     <p:sldId id="269" r:id="rId15"/>
     <p:sldId id="270" r:id="rId16"/>
     <p:sldId id="271" r:id="rId17"/>
+    <p:sldId id="272" r:id="rId18"/>
+    <p:sldId id="273" r:id="rId19"/>
+    <p:sldId id="274" r:id="rId20"/>
+    <p:sldId id="275" r:id="rId21"/>
+    <p:sldId id="276" r:id="rId22"/>
+    <p:sldId id="277" r:id="rId23"/>
+    <p:sldId id="278" r:id="rId24"/>
+    <p:sldId id="279" r:id="rId25"/>
+    <p:sldId id="280" r:id="rId26"/>
+    <p:sldId id="281" r:id="rId27"/>
   </p:sldIdLst>
   <p:sldSz cx="9144000" cy="6858000" type="screen4x3"/>
   <p:notesSz cx="6858000" cy="9144000"/>
@@ -3124,6 +3134,13 @@
   <p:clrMapOvr>
     <a:masterClrMapping/>
   </p:clrMapOvr>
+  <p:timing>
+    <p:tnLst>
+      <p:par>
+        <p:cTn id="1" dur="indefinite" restart="never" nodeType="tmRoot"/>
+      </p:par>
+    </p:tnLst>
+  </p:timing>
 </p:sld>
 </file>
 
@@ -3559,6 +3576,13 @@
   <p:clrMapOvr>
     <a:masterClrMapping/>
   </p:clrMapOvr>
+  <p:timing>
+    <p:tnLst>
+      <p:par>
+        <p:cTn id="1" dur="indefinite" restart="never" nodeType="tmRoot"/>
+      </p:par>
+    </p:tnLst>
+  </p:timing>
 </p:sld>
 </file>
 
@@ -3589,7 +3613,12 @@
             <p:ph type="title"/>
           </p:nvPr>
         </p:nvSpPr>
-        <p:spPr/>
+        <p:spPr>
+          <a:xfrm>
+            <a:off x="457200" y="273050"/>
+            <a:ext cx="3008313" cy="1022350"/>
+          </a:xfrm>
+        </p:spPr>
         <p:txBody>
           <a:bodyPr/>
           <a:lstStyle/>
@@ -3634,7 +3663,6 @@
               <a:rPr lang="en-US" dirty="0" smtClean="0"/>
               <a:t>Relatively easy to know where you are and where you can go.</a:t>
             </a:r>
-            <a:endParaRPr lang="en-US" dirty="0" smtClean="0"/>
           </a:p>
           <a:p>
             <a:pPr algn="just"/>
@@ -3829,6 +3857,13 @@
   <p:clrMapOvr>
     <a:masterClrMapping/>
   </p:clrMapOvr>
+  <p:timing>
+    <p:tnLst>
+      <p:par>
+        <p:cTn id="1" dur="indefinite" restart="never" nodeType="tmRoot"/>
+      </p:par>
+    </p:tnLst>
+  </p:timing>
 </p:sld>
 </file>
 
@@ -3865,8 +3900,16 @@
           <a:lstStyle/>
           <a:p>
             <a:r>
+              <a:rPr lang="en-US" dirty="0" smtClean="0"/>
+              <a:t>3) </a:t>
+            </a:r>
+            <a:r>
               <a:rPr lang="en-US" dirty="0" err="1" smtClean="0"/>
               <a:t>Threadless</a:t>
+            </a:r>
+            <a:r>
+              <a:rPr lang="en-US" dirty="0" smtClean="0"/>
+              <a:t> Tees</a:t>
             </a:r>
             <a:endParaRPr lang="en-US" dirty="0"/>
           </a:p>
@@ -3902,7 +3945,6 @@
               <a:rPr lang="en-US" dirty="0" smtClean="0"/>
               <a:t>Date Visited – 1/19/12</a:t>
             </a:r>
-            <a:endParaRPr lang="en-US" dirty="0" smtClean="0"/>
           </a:p>
           <a:p>
             <a:r>
@@ -3944,6 +3986,13 @@
   <p:clrMapOvr>
     <a:masterClrMapping/>
   </p:clrMapOvr>
+  <p:timing>
+    <p:tnLst>
+      <p:par>
+        <p:cTn id="1" dur="indefinite" restart="never" nodeType="tmRoot"/>
+      </p:par>
+    </p:tnLst>
+  </p:timing>
 </p:sld>
 </file>
 
@@ -4062,6 +4111,13 @@
   <p:clrMapOvr>
     <a:masterClrMapping/>
   </p:clrMapOvr>
+  <p:timing>
+    <p:tnLst>
+      <p:par>
+        <p:cTn id="1" dur="indefinite" restart="never" nodeType="tmRoot"/>
+      </p:par>
+    </p:tnLst>
+  </p:timing>
 </p:sld>
 </file>
 
@@ -4292,8 +4348,8 @@
         </p:nvCxnSpPr>
         <p:spPr>
           <a:xfrm>
-            <a:off x="457200" y="3810000"/>
-            <a:ext cx="990600" cy="533400"/>
+            <a:off x="533400" y="3810000"/>
+            <a:ext cx="914400" cy="533400"/>
           </a:xfrm>
           <a:prstGeom prst="line">
             <a:avLst/>
@@ -4418,6 +4474,13 @@
   <p:clrMapOvr>
     <a:masterClrMapping/>
   </p:clrMapOvr>
+  <p:timing>
+    <p:tnLst>
+      <p:par>
+        <p:cTn id="1" dur="indefinite" restart="never" nodeType="tmRoot"/>
+      </p:par>
+    </p:tnLst>
+  </p:timing>
 </p:sld>
 </file>
 
@@ -4722,6 +4785,13 @@
   <p:clrMapOvr>
     <a:masterClrMapping/>
   </p:clrMapOvr>
+  <p:timing>
+    <p:tnLst>
+      <p:par>
+        <p:cTn id="1" dur="indefinite" restart="never" nodeType="tmRoot"/>
+      </p:par>
+    </p:tnLst>
+  </p:timing>
 </p:sld>
 </file>
 
@@ -4793,24 +4863,24 @@
           <a:p>
             <a:r>
               <a:rPr lang="en-US" dirty="0" smtClean="0"/>
-              <a:t>Easy to find what you want. Selections are on the side tab for what kind of shirt you want, </a:t>
-            </a:r>
-            <a:r>
-              <a:rPr lang="en-US" smtClean="0"/>
-              <a:t>including size, color, etc..</a:t>
-            </a:r>
+              <a:t>Easy to find what you want. Selections are on the side tab for what kind of shirt you want, including size, color, etc..</a:t>
+            </a:r>
+          </a:p>
+          <a:p>
             <a:endParaRPr lang="en-US" dirty="0" smtClean="0"/>
           </a:p>
           <a:p>
+            <a:r>
+              <a:rPr lang="en-US" dirty="0" smtClean="0"/>
+              <a:t>Selecting a shirt will bring you to that shirt’s page</a:t>
+            </a:r>
+            <a:r>
+              <a:rPr lang="en-US" dirty="0" smtClean="0"/>
+              <a:t>. This page lists more info about the shirt, including comments about the shirt and suggestions for other shirts.</a:t>
+            </a:r>
             <a:endParaRPr lang="en-US" dirty="0" smtClean="0"/>
           </a:p>
           <a:p>
-            <a:r>
-              <a:rPr lang="en-US" dirty="0" smtClean="0"/>
-              <a:t>Selecting a shirt will bring you to that shirt’s page.</a:t>
-            </a:r>
-          </a:p>
-          <a:p>
             <a:endParaRPr lang="en-US" dirty="0" smtClean="0"/>
           </a:p>
           <a:p>
@@ -4825,9 +4895,12 @@
           <a:p>
             <a:r>
               <a:rPr lang="en-US" dirty="0" smtClean="0"/>
-              <a:t>You can browse through all the pages of shirts available.</a:t>
-            </a:r>
-            <a:endParaRPr lang="en-US" dirty="0"/>
+              <a:t>You can browse through all the pages of shirts available</a:t>
+            </a:r>
+            <a:r>
+              <a:rPr lang="en-US" dirty="0" smtClean="0"/>
+              <a:t>.</a:t>
+            </a:r>
           </a:p>
         </p:txBody>
       </p:sp>
@@ -4932,8 +5005,8 @@
         </p:nvCxnSpPr>
         <p:spPr>
           <a:xfrm flipV="1">
-            <a:off x="3886200" y="1447800"/>
-            <a:ext cx="2133600" cy="914400"/>
+            <a:off x="3962400" y="1447800"/>
+            <a:ext cx="2057400" cy="1600200"/>
           </a:xfrm>
           <a:prstGeom prst="straightConnector1">
             <a:avLst/>
@@ -5007,11 +5080,11 @@
         <p:spPr>
           <a:xfrm flipV="1">
             <a:off x="3962400" y="152400"/>
-            <a:ext cx="3886200" cy="2971800"/>
+            <a:ext cx="3886200" cy="3657600"/>
           </a:xfrm>
           <a:prstGeom prst="bentConnector3">
             <a:avLst>
-              <a:gd name="adj1" fmla="val 92121"/>
+              <a:gd name="adj1" fmla="val 92702"/>
             </a:avLst>
           </a:prstGeom>
           <a:ln>
@@ -5041,8 +5114,8 @@
         </p:nvSpPr>
         <p:spPr>
           <a:xfrm>
-            <a:off x="4800600" y="5257800"/>
-            <a:ext cx="3962400" cy="523220"/>
+            <a:off x="4800600" y="5410200"/>
+            <a:ext cx="3962400" cy="738664"/>
           </a:xfrm>
           <a:prstGeom prst="rect">
             <a:avLst/>
@@ -5057,17 +5130,647 @@
           <a:p>
             <a:r>
               <a:rPr lang="en-US" sz="1400" dirty="0" smtClean="0"/>
-              <a:t>There is also a section at the bottom of the site with every link.</a:t>
+              <a:t>The top tab is present on every page, so you can always go back to a main section. There </a:t>
+            </a:r>
+            <a:r>
+              <a:rPr lang="en-US" sz="1400" dirty="0" smtClean="0"/>
+              <a:t>is also a section at the bottom of the site with every link.</a:t>
             </a:r>
             <a:endParaRPr lang="en-US" sz="1400" dirty="0"/>
           </a:p>
         </p:txBody>
       </p:sp>
+      <p:cxnSp>
+        <p:nvCxnSpPr>
+          <p:cNvPr id="17" name="Straight Arrow Connector 16"/>
+          <p:cNvCxnSpPr>
+            <a:stCxn id="21" idx="1"/>
+          </p:cNvCxnSpPr>
+          <p:nvPr/>
+        </p:nvCxnSpPr>
+        <p:spPr>
+          <a:xfrm flipH="1">
+            <a:off x="4572000" y="5779532"/>
+            <a:ext cx="228600" cy="11668"/>
+          </a:xfrm>
+          <a:prstGeom prst="straightConnector1">
+            <a:avLst/>
+          </a:prstGeom>
+          <a:ln>
+            <a:tailEnd type="arrow"/>
+          </a:ln>
+        </p:spPr>
+        <p:style>
+          <a:lnRef idx="1">
+            <a:schemeClr val="accent1"/>
+          </a:lnRef>
+          <a:fillRef idx="0">
+            <a:schemeClr val="accent1"/>
+          </a:fillRef>
+          <a:effectRef idx="0">
+            <a:schemeClr val="accent1"/>
+          </a:effectRef>
+          <a:fontRef idx="minor">
+            <a:schemeClr val="tx1"/>
+          </a:fontRef>
+        </p:style>
+      </p:cxnSp>
     </p:spTree>
   </p:cSld>
   <p:clrMapOvr>
     <a:masterClrMapping/>
   </p:clrMapOvr>
+  <p:timing>
+    <p:tnLst>
+      <p:par>
+        <p:cTn id="1" dur="indefinite" restart="never" nodeType="tmRoot"/>
+      </p:par>
+    </p:tnLst>
+  </p:timing>
+</p:sld>
+</file>
+
+<file path=ppt/slides/slide17.xml><?xml version="1.0" encoding="utf-8"?>
+<p:sld xmlns:a="http://schemas.openxmlformats.org/drawingml/2006/main" xmlns:r="http://schemas.openxmlformats.org/officeDocument/2006/relationships" xmlns:p="http://schemas.openxmlformats.org/presentationml/2006/main">
+  <p:cSld>
+    <p:spTree>
+      <p:nvGrpSpPr>
+        <p:cNvPr id="1" name=""/>
+        <p:cNvGrpSpPr/>
+        <p:nvPr/>
+      </p:nvGrpSpPr>
+      <p:grpSpPr>
+        <a:xfrm>
+          <a:off x="0" y="0"/>
+          <a:ext cx="0" cy="0"/>
+          <a:chOff x="0" y="0"/>
+          <a:chExt cx="0" cy="0"/>
+        </a:xfrm>
+      </p:grpSpPr>
+      <p:sp>
+        <p:nvSpPr>
+          <p:cNvPr id="2" name="Title 1"/>
+          <p:cNvSpPr>
+            <a:spLocks noGrp="1"/>
+          </p:cNvSpPr>
+          <p:nvPr>
+            <p:ph type="title"/>
+          </p:nvPr>
+        </p:nvSpPr>
+        <p:spPr/>
+        <p:txBody>
+          <a:bodyPr/>
+          <a:lstStyle/>
+          <a:p>
+            <a:r>
+              <a:rPr lang="en-US" dirty="0" smtClean="0"/>
+              <a:t>4) Michael Acevedo</a:t>
+            </a:r>
+            <a:endParaRPr lang="en-US" dirty="0"/>
+          </a:p>
+        </p:txBody>
+      </p:sp>
+      <p:pic>
+        <p:nvPicPr>
+          <p:cNvPr id="5" name="Picture Placeholder 4" descr="MichaelAcevedoHome.jpg"/>
+          <p:cNvPicPr>
+            <a:picLocks noGrp="1" noChangeAspect="1"/>
+          </p:cNvPicPr>
+          <p:nvPr>
+            <p:ph type="pic" idx="1"/>
+          </p:nvPr>
+        </p:nvPicPr>
+        <p:blipFill>
+          <a:blip r:embed="rId2" cstate="print"/>
+          <a:srcRect l="389" r="389"/>
+          <a:stretch>
+            <a:fillRect/>
+          </a:stretch>
+        </p:blipFill>
+        <p:spPr/>
+      </p:pic>
+      <p:sp>
+        <p:nvSpPr>
+          <p:cNvPr id="4" name="Text Placeholder 3"/>
+          <p:cNvSpPr>
+            <a:spLocks noGrp="1"/>
+          </p:cNvSpPr>
+          <p:nvPr>
+            <p:ph type="body" sz="half" idx="2"/>
+          </p:nvPr>
+        </p:nvSpPr>
+        <p:spPr/>
+        <p:txBody>
+          <a:bodyPr>
+            <a:normAutofit lnSpcReduction="10000"/>
+          </a:bodyPr>
+          <a:lstStyle/>
+          <a:p>
+            <a:r>
+              <a:rPr lang="en-US" dirty="0" smtClean="0">
+                <a:hlinkClick r:id="rId3"/>
+              </a:rPr>
+              <a:t>michaelacevedo.com</a:t>
+            </a:r>
+            <a:endParaRPr lang="en-US" dirty="0" smtClean="0"/>
+          </a:p>
+          <a:p>
+            <a:r>
+              <a:rPr lang="en-US" dirty="0" smtClean="0"/>
+              <a:t>Date Visited: 1/19/12</a:t>
+            </a:r>
+          </a:p>
+          <a:p>
+            <a:r>
+              <a:rPr lang="en-US" dirty="0" smtClean="0"/>
+              <a:t>Layout: Featured Graphic</a:t>
+            </a:r>
+            <a:endParaRPr lang="en-US" dirty="0"/>
+          </a:p>
+        </p:txBody>
+      </p:sp>
+    </p:spTree>
+  </p:cSld>
+  <p:clrMapOvr>
+    <a:masterClrMapping/>
+  </p:clrMapOvr>
+  <p:timing>
+    <p:tnLst>
+      <p:par>
+        <p:cTn id="1" dur="indefinite" restart="never" nodeType="tmRoot"/>
+      </p:par>
+    </p:tnLst>
+  </p:timing>
+</p:sld>
+</file>
+
+<file path=ppt/slides/slide18.xml><?xml version="1.0" encoding="utf-8"?>
+<p:sld xmlns:a="http://schemas.openxmlformats.org/drawingml/2006/main" xmlns:r="http://schemas.openxmlformats.org/officeDocument/2006/relationships" xmlns:p="http://schemas.openxmlformats.org/presentationml/2006/main">
+  <p:cSld>
+    <p:spTree>
+      <p:nvGrpSpPr>
+        <p:cNvPr id="1" name=""/>
+        <p:cNvGrpSpPr/>
+        <p:nvPr/>
+      </p:nvGrpSpPr>
+      <p:grpSpPr>
+        <a:xfrm>
+          <a:off x="0" y="0"/>
+          <a:ext cx="0" cy="0"/>
+          <a:chOff x="0" y="0"/>
+          <a:chExt cx="0" cy="0"/>
+        </a:xfrm>
+      </p:grpSpPr>
+      <p:sp>
+        <p:nvSpPr>
+          <p:cNvPr id="2" name="Title 1"/>
+          <p:cNvSpPr>
+            <a:spLocks noGrp="1"/>
+          </p:cNvSpPr>
+          <p:nvPr>
+            <p:ph type="title"/>
+          </p:nvPr>
+        </p:nvSpPr>
+        <p:spPr/>
+        <p:txBody>
+          <a:bodyPr/>
+          <a:lstStyle/>
+          <a:p>
+            <a:pPr algn="ctr"/>
+            <a:r>
+              <a:rPr lang="en-US" dirty="0" smtClean="0"/>
+              <a:t>Brand</a:t>
+            </a:r>
+            <a:endParaRPr lang="en-US" dirty="0"/>
+          </a:p>
+        </p:txBody>
+      </p:sp>
+      <p:sp>
+        <p:nvSpPr>
+          <p:cNvPr id="4" name="Text Placeholder 3"/>
+          <p:cNvSpPr>
+            <a:spLocks noGrp="1"/>
+          </p:cNvSpPr>
+          <p:nvPr>
+            <p:ph type="body" sz="half" idx="2"/>
+          </p:nvPr>
+        </p:nvSpPr>
+        <p:spPr/>
+        <p:txBody>
+          <a:bodyPr>
+            <a:normAutofit lnSpcReduction="10000"/>
+          </a:bodyPr>
+          <a:lstStyle/>
+          <a:p>
+            <a:r>
+              <a:rPr lang="en-US" dirty="0" smtClean="0"/>
+              <a:t>Clean – The simple white, gray, and black colors give a clean feel.</a:t>
+            </a:r>
+          </a:p>
+          <a:p>
+            <a:r>
+              <a:rPr lang="en-US" dirty="0" smtClean="0"/>
+              <a:t>Casual – They way he writes is friendly, personable, and not too serious.</a:t>
+            </a:r>
+          </a:p>
+          <a:p>
+            <a:r>
+              <a:rPr lang="en-US" dirty="0" smtClean="0"/>
+              <a:t>Skilled – He demonstrates his skill through his smooth transitions.</a:t>
+            </a:r>
+            <a:endParaRPr lang="en-US" dirty="0"/>
+          </a:p>
+        </p:txBody>
+      </p:sp>
+      <p:sp>
+        <p:nvSpPr>
+          <p:cNvPr id="6" name="Picture Placeholder 5"/>
+          <p:cNvSpPr>
+            <a:spLocks noGrp="1"/>
+          </p:cNvSpPr>
+          <p:nvPr>
+            <p:ph type="pic" idx="1"/>
+          </p:nvPr>
+        </p:nvSpPr>
+        <p:spPr/>
+      </p:sp>
+      <p:pic>
+        <p:nvPicPr>
+          <p:cNvPr id="1026" name="Picture 2" descr="C:\Users\Phil\Pictures\Cogs 187\MichaelAcevedoBrand.jpg"/>
+          <p:cNvPicPr>
+            <a:picLocks noChangeAspect="1" noChangeArrowheads="1"/>
+          </p:cNvPicPr>
+          <p:nvPr/>
+        </p:nvPicPr>
+        <p:blipFill>
+          <a:blip r:embed="rId2" cstate="print"/>
+          <a:srcRect/>
+          <a:stretch>
+            <a:fillRect/>
+          </a:stretch>
+        </p:blipFill>
+        <p:spPr bwMode="auto">
+          <a:xfrm>
+            <a:off x="1752600" y="228600"/>
+            <a:ext cx="5562600" cy="4641681"/>
+          </a:xfrm>
+          <a:prstGeom prst="rect">
+            <a:avLst/>
+          </a:prstGeom>
+          <a:noFill/>
+        </p:spPr>
+      </p:pic>
+    </p:spTree>
+  </p:cSld>
+  <p:clrMapOvr>
+    <a:masterClrMapping/>
+  </p:clrMapOvr>
+  <p:timing>
+    <p:tnLst>
+      <p:par>
+        <p:cTn id="1" dur="indefinite" restart="never" nodeType="tmRoot"/>
+      </p:par>
+    </p:tnLst>
+  </p:timing>
+</p:sld>
+</file>
+
+<file path=ppt/slides/slide19.xml><?xml version="1.0" encoding="utf-8"?>
+<p:sld xmlns:a="http://schemas.openxmlformats.org/drawingml/2006/main" xmlns:r="http://schemas.openxmlformats.org/officeDocument/2006/relationships" xmlns:p="http://schemas.openxmlformats.org/presentationml/2006/main">
+  <p:cSld>
+    <p:spTree>
+      <p:nvGrpSpPr>
+        <p:cNvPr id="1" name=""/>
+        <p:cNvGrpSpPr/>
+        <p:nvPr/>
+      </p:nvGrpSpPr>
+      <p:grpSpPr>
+        <a:xfrm>
+          <a:off x="0" y="0"/>
+          <a:ext cx="0" cy="0"/>
+          <a:chOff x="0" y="0"/>
+          <a:chExt cx="0" cy="0"/>
+        </a:xfrm>
+      </p:grpSpPr>
+      <p:cxnSp>
+        <p:nvCxnSpPr>
+          <p:cNvPr id="12" name="Straight Connector 11"/>
+          <p:cNvCxnSpPr>
+            <a:stCxn id="8" idx="4"/>
+          </p:cNvCxnSpPr>
+          <p:nvPr/>
+        </p:nvCxnSpPr>
+        <p:spPr>
+          <a:xfrm flipH="1">
+            <a:off x="3733800" y="4648200"/>
+            <a:ext cx="1943100" cy="2057400"/>
+          </a:xfrm>
+          <a:prstGeom prst="line">
+            <a:avLst/>
+          </a:prstGeom>
+        </p:spPr>
+        <p:style>
+          <a:lnRef idx="1">
+            <a:schemeClr val="accent1"/>
+          </a:lnRef>
+          <a:fillRef idx="0">
+            <a:schemeClr val="accent1"/>
+          </a:fillRef>
+          <a:effectRef idx="0">
+            <a:schemeClr val="accent1"/>
+          </a:effectRef>
+          <a:fontRef idx="minor">
+            <a:schemeClr val="tx1"/>
+          </a:fontRef>
+        </p:style>
+      </p:cxnSp>
+      <p:sp>
+        <p:nvSpPr>
+          <p:cNvPr id="2" name="Title 1"/>
+          <p:cNvSpPr>
+            <a:spLocks noGrp="1"/>
+          </p:cNvSpPr>
+          <p:nvPr>
+            <p:ph type="title"/>
+          </p:nvPr>
+        </p:nvSpPr>
+        <p:spPr>
+          <a:xfrm>
+            <a:off x="457200" y="273050"/>
+            <a:ext cx="3008313" cy="793750"/>
+          </a:xfrm>
+        </p:spPr>
+        <p:txBody>
+          <a:bodyPr/>
+          <a:lstStyle/>
+          <a:p>
+            <a:pPr algn="ctr"/>
+            <a:r>
+              <a:rPr lang="en-US" dirty="0" smtClean="0"/>
+              <a:t>Functionality</a:t>
+            </a:r>
+            <a:endParaRPr lang="en-US" dirty="0"/>
+          </a:p>
+        </p:txBody>
+      </p:sp>
+      <p:sp>
+        <p:nvSpPr>
+          <p:cNvPr id="4" name="Text Placeholder 3"/>
+          <p:cNvSpPr>
+            <a:spLocks noGrp="1"/>
+          </p:cNvSpPr>
+          <p:nvPr>
+            <p:ph type="body" sz="half" idx="2"/>
+          </p:nvPr>
+        </p:nvSpPr>
+        <p:spPr>
+          <a:xfrm>
+            <a:off x="457200" y="1219200"/>
+            <a:ext cx="3008313" cy="4906963"/>
+          </a:xfrm>
+        </p:spPr>
+        <p:txBody>
+          <a:bodyPr/>
+          <a:lstStyle/>
+          <a:p>
+            <a:r>
+              <a:rPr lang="en-US" dirty="0" smtClean="0"/>
+              <a:t>Instead of having different pages, he has all his info on a single large page. </a:t>
+            </a:r>
+          </a:p>
+          <a:p>
+            <a:endParaRPr lang="en-US" dirty="0" smtClean="0"/>
+          </a:p>
+          <a:p>
+            <a:r>
+              <a:rPr lang="en-US" dirty="0" smtClean="0"/>
+              <a:t>You can either scroll through or use the little navigation bar on the right side which will slide you to the section you select, which is a nice transition.</a:t>
+            </a:r>
+          </a:p>
+          <a:p>
+            <a:endParaRPr lang="en-US" dirty="0" smtClean="0"/>
+          </a:p>
+          <a:p>
+            <a:r>
+              <a:rPr lang="en-US" dirty="0" smtClean="0"/>
+              <a:t>Selecting a picture will bring up a display of the site and a description of how he contributed to the site.</a:t>
+            </a:r>
+            <a:endParaRPr lang="en-US" dirty="0"/>
+          </a:p>
+        </p:txBody>
+      </p:sp>
+      <p:pic>
+        <p:nvPicPr>
+          <p:cNvPr id="2050" name="Picture 2" descr="C:\Users\Phil\Pictures\Cogs 187\MichaelAcevedoNavigation1.jpg"/>
+          <p:cNvPicPr>
+            <a:picLocks noChangeAspect="1" noChangeArrowheads="1"/>
+          </p:cNvPicPr>
+          <p:nvPr/>
+        </p:nvPicPr>
+        <p:blipFill>
+          <a:blip r:embed="rId2" cstate="print"/>
+          <a:srcRect/>
+          <a:stretch>
+            <a:fillRect/>
+          </a:stretch>
+        </p:blipFill>
+        <p:spPr bwMode="auto">
+          <a:xfrm>
+            <a:off x="3581400" y="381000"/>
+            <a:ext cx="5245691" cy="4233862"/>
+          </a:xfrm>
+          <a:prstGeom prst="rect">
+            <a:avLst/>
+          </a:prstGeom>
+          <a:noFill/>
+        </p:spPr>
+      </p:pic>
+      <p:sp>
+        <p:nvSpPr>
+          <p:cNvPr id="6" name="Rectangle 5"/>
+          <p:cNvSpPr/>
+          <p:nvPr/>
+        </p:nvSpPr>
+        <p:spPr>
+          <a:xfrm>
+            <a:off x="7315200" y="838200"/>
+            <a:ext cx="1295400" cy="457200"/>
+          </a:xfrm>
+          <a:prstGeom prst="rect">
+            <a:avLst/>
+          </a:prstGeom>
+          <a:noFill/>
+        </p:spPr>
+        <p:style>
+          <a:lnRef idx="2">
+            <a:schemeClr val="accent1">
+              <a:shade val="50000"/>
+            </a:schemeClr>
+          </a:lnRef>
+          <a:fillRef idx="1">
+            <a:schemeClr val="accent1"/>
+          </a:fillRef>
+          <a:effectRef idx="0">
+            <a:schemeClr val="accent1"/>
+          </a:effectRef>
+          <a:fontRef idx="minor">
+            <a:schemeClr val="lt1"/>
+          </a:fontRef>
+        </p:style>
+        <p:txBody>
+          <a:bodyPr rtlCol="0" anchor="ctr"/>
+          <a:lstStyle/>
+          <a:p>
+            <a:pPr algn="ctr"/>
+            <a:endParaRPr lang="en-US"/>
+          </a:p>
+        </p:txBody>
+      </p:sp>
+      <p:pic>
+        <p:nvPicPr>
+          <p:cNvPr id="2051" name="Picture 3" descr="C:\Users\Phil\Pictures\Cogs 187\MichaelAcevedoInteractivity3.jpg"/>
+          <p:cNvPicPr>
+            <a:picLocks noChangeAspect="1" noChangeArrowheads="1"/>
+          </p:cNvPicPr>
+          <p:nvPr/>
+        </p:nvPicPr>
+        <p:blipFill>
+          <a:blip r:embed="rId3" cstate="print"/>
+          <a:srcRect/>
+          <a:stretch>
+            <a:fillRect/>
+          </a:stretch>
+        </p:blipFill>
+        <p:spPr bwMode="auto">
+          <a:xfrm>
+            <a:off x="457200" y="3962400"/>
+            <a:ext cx="3271838" cy="2778769"/>
+          </a:xfrm>
+          <a:prstGeom prst="rect">
+            <a:avLst/>
+          </a:prstGeom>
+          <a:noFill/>
+        </p:spPr>
+      </p:pic>
+      <p:sp>
+        <p:nvSpPr>
+          <p:cNvPr id="8" name="Oval 7"/>
+          <p:cNvSpPr/>
+          <p:nvPr/>
+        </p:nvSpPr>
+        <p:spPr>
+          <a:xfrm>
+            <a:off x="5105400" y="3505200"/>
+            <a:ext cx="1143000" cy="1143000"/>
+          </a:xfrm>
+          <a:prstGeom prst="ellipse">
+            <a:avLst/>
+          </a:prstGeom>
+          <a:noFill/>
+        </p:spPr>
+        <p:style>
+          <a:lnRef idx="2">
+            <a:schemeClr val="accent1">
+              <a:shade val="50000"/>
+            </a:schemeClr>
+          </a:lnRef>
+          <a:fillRef idx="1">
+            <a:schemeClr val="accent1"/>
+          </a:fillRef>
+          <a:effectRef idx="0">
+            <a:schemeClr val="accent1"/>
+          </a:effectRef>
+          <a:fontRef idx="minor">
+            <a:schemeClr val="lt1"/>
+          </a:fontRef>
+        </p:style>
+        <p:txBody>
+          <a:bodyPr rtlCol="0" anchor="ctr"/>
+          <a:lstStyle/>
+          <a:p>
+            <a:pPr algn="ctr"/>
+            <a:endParaRPr lang="en-US"/>
+          </a:p>
+        </p:txBody>
+      </p:sp>
+      <p:cxnSp>
+        <p:nvCxnSpPr>
+          <p:cNvPr id="10" name="Straight Connector 9"/>
+          <p:cNvCxnSpPr>
+            <a:stCxn id="8" idx="1"/>
+            <a:endCxn id="2051" idx="0"/>
+          </p:cNvCxnSpPr>
+          <p:nvPr/>
+        </p:nvCxnSpPr>
+        <p:spPr>
+          <a:xfrm flipH="1">
+            <a:off x="2093119" y="3672588"/>
+            <a:ext cx="3179670" cy="289812"/>
+          </a:xfrm>
+          <a:prstGeom prst="line">
+            <a:avLst/>
+          </a:prstGeom>
+        </p:spPr>
+        <p:style>
+          <a:lnRef idx="1">
+            <a:schemeClr val="accent1"/>
+          </a:lnRef>
+          <a:fillRef idx="0">
+            <a:schemeClr val="accent1"/>
+          </a:fillRef>
+          <a:effectRef idx="0">
+            <a:schemeClr val="accent1"/>
+          </a:effectRef>
+          <a:fontRef idx="minor">
+            <a:schemeClr val="tx1"/>
+          </a:fontRef>
+        </p:style>
+      </p:cxnSp>
+      <p:cxnSp>
+        <p:nvCxnSpPr>
+          <p:cNvPr id="14" name="Straight Connector 13"/>
+          <p:cNvCxnSpPr>
+            <a:stCxn id="8" idx="6"/>
+            <a:endCxn id="2051" idx="3"/>
+          </p:cNvCxnSpPr>
+          <p:nvPr/>
+        </p:nvCxnSpPr>
+        <p:spPr>
+          <a:xfrm flipH="1">
+            <a:off x="3729038" y="4076700"/>
+            <a:ext cx="2519362" cy="1275085"/>
+          </a:xfrm>
+          <a:prstGeom prst="line">
+            <a:avLst/>
+          </a:prstGeom>
+        </p:spPr>
+        <p:style>
+          <a:lnRef idx="1">
+            <a:schemeClr val="accent1"/>
+          </a:lnRef>
+          <a:fillRef idx="0">
+            <a:schemeClr val="accent1"/>
+          </a:fillRef>
+          <a:effectRef idx="0">
+            <a:schemeClr val="accent1"/>
+          </a:effectRef>
+          <a:fontRef idx="minor">
+            <a:schemeClr val="tx1"/>
+          </a:fontRef>
+        </p:style>
+      </p:cxnSp>
+    </p:spTree>
+  </p:cSld>
+  <p:clrMapOvr>
+    <a:masterClrMapping/>
+  </p:clrMapOvr>
+  <p:timing>
+    <p:tnLst>
+      <p:par>
+        <p:cTn id="1" dur="indefinite" restart="never" nodeType="tmRoot"/>
+      </p:par>
+    </p:tnLst>
+  </p:timing>
 </p:sld>
 </file>
 
@@ -5105,7 +5808,11 @@
           <a:p>
             <a:r>
               <a:rPr lang="en-US" dirty="0" smtClean="0"/>
-              <a:t>Fresh Ivey Photography</a:t>
+              <a:t>1) Fresh </a:t>
+            </a:r>
+            <a:r>
+              <a:rPr lang="en-US" dirty="0" smtClean="0"/>
+              <a:t>Ivey Photography</a:t>
             </a:r>
             <a:endParaRPr lang="en-US" dirty="0"/>
           </a:p>
@@ -5170,6 +5877,1526 @@
           <a:xfrm>
             <a:off x="457200" y="533400"/>
             <a:ext cx="8001000" cy="4105275"/>
+          </a:xfrm>
+          <a:prstGeom prst="rect">
+            <a:avLst/>
+          </a:prstGeom>
+          <a:noFill/>
+        </p:spPr>
+      </p:pic>
+    </p:spTree>
+  </p:cSld>
+  <p:clrMapOvr>
+    <a:masterClrMapping/>
+  </p:clrMapOvr>
+  <p:timing>
+    <p:tnLst>
+      <p:par>
+        <p:cTn id="1" dur="indefinite" restart="never" nodeType="tmRoot"/>
+      </p:par>
+    </p:tnLst>
+  </p:timing>
+</p:sld>
+</file>
+
+<file path=ppt/slides/slide20.xml><?xml version="1.0" encoding="utf-8"?>
+<p:sld xmlns:a="http://schemas.openxmlformats.org/drawingml/2006/main" xmlns:r="http://schemas.openxmlformats.org/officeDocument/2006/relationships" xmlns:p="http://schemas.openxmlformats.org/presentationml/2006/main">
+  <p:cSld>
+    <p:spTree>
+      <p:nvGrpSpPr>
+        <p:cNvPr id="1" name=""/>
+        <p:cNvGrpSpPr/>
+        <p:nvPr/>
+      </p:nvGrpSpPr>
+      <p:grpSpPr>
+        <a:xfrm>
+          <a:off x="0" y="0"/>
+          <a:ext cx="0" cy="0"/>
+          <a:chOff x="0" y="0"/>
+          <a:chExt cx="0" cy="0"/>
+        </a:xfrm>
+      </p:grpSpPr>
+      <p:sp>
+        <p:nvSpPr>
+          <p:cNvPr id="2" name="Title 1"/>
+          <p:cNvSpPr>
+            <a:spLocks noGrp="1"/>
+          </p:cNvSpPr>
+          <p:nvPr>
+            <p:ph type="title"/>
+          </p:nvPr>
+        </p:nvSpPr>
+        <p:spPr>
+          <a:xfrm>
+            <a:off x="5410200" y="304800"/>
+            <a:ext cx="3008313" cy="457200"/>
+          </a:xfrm>
+        </p:spPr>
+        <p:txBody>
+          <a:bodyPr/>
+          <a:lstStyle/>
+          <a:p>
+            <a:pPr algn="ctr"/>
+            <a:r>
+              <a:rPr lang="en-US" dirty="0" smtClean="0"/>
+              <a:t>Interactivity</a:t>
+            </a:r>
+            <a:endParaRPr lang="en-US" dirty="0"/>
+          </a:p>
+        </p:txBody>
+      </p:sp>
+      <p:sp>
+        <p:nvSpPr>
+          <p:cNvPr id="4" name="Text Placeholder 3"/>
+          <p:cNvSpPr>
+            <a:spLocks noGrp="1"/>
+          </p:cNvSpPr>
+          <p:nvPr>
+            <p:ph type="body" sz="half" idx="2"/>
+          </p:nvPr>
+        </p:nvSpPr>
+        <p:spPr>
+          <a:xfrm>
+            <a:off x="5334000" y="762001"/>
+            <a:ext cx="3008313" cy="2286000"/>
+          </a:xfrm>
+        </p:spPr>
+        <p:txBody>
+          <a:bodyPr>
+            <a:normAutofit lnSpcReduction="10000"/>
+          </a:bodyPr>
+          <a:lstStyle/>
+          <a:p>
+            <a:pPr algn="just"/>
+            <a:r>
+              <a:rPr lang="en-US" dirty="0" smtClean="0"/>
+              <a:t>You can select each work to view it.</a:t>
+            </a:r>
+          </a:p>
+          <a:p>
+            <a:pPr algn="just"/>
+            <a:endParaRPr lang="en-US" dirty="0" smtClean="0"/>
+          </a:p>
+          <a:p>
+            <a:pPr algn="just"/>
+            <a:r>
+              <a:rPr lang="en-US" dirty="0" smtClean="0"/>
+              <a:t>A mouse-over will change the image. However, the image might not reappear after moving your mouse away.</a:t>
+            </a:r>
+          </a:p>
+          <a:p>
+            <a:pPr algn="just"/>
+            <a:endParaRPr lang="en-US" dirty="0" smtClean="0"/>
+          </a:p>
+          <a:p>
+            <a:pPr algn="just"/>
+            <a:r>
+              <a:rPr lang="en-US" dirty="0" smtClean="0"/>
+              <a:t>When viewing a design, you can manually view each one or start a slideshow.</a:t>
+            </a:r>
+            <a:endParaRPr lang="en-US" dirty="0"/>
+          </a:p>
+        </p:txBody>
+      </p:sp>
+      <p:pic>
+        <p:nvPicPr>
+          <p:cNvPr id="3074" name="Picture 2" descr="C:\Users\Phil\Pictures\Cogs 187\MichaelAcevedoInteractivity2.jpg"/>
+          <p:cNvPicPr>
+            <a:picLocks noChangeAspect="1" noChangeArrowheads="1"/>
+          </p:cNvPicPr>
+          <p:nvPr/>
+        </p:nvPicPr>
+        <p:blipFill>
+          <a:blip r:embed="rId2" cstate="print"/>
+          <a:srcRect/>
+          <a:stretch>
+            <a:fillRect/>
+          </a:stretch>
+        </p:blipFill>
+        <p:spPr bwMode="auto">
+          <a:xfrm>
+            <a:off x="152400" y="152400"/>
+            <a:ext cx="4572000" cy="4047259"/>
+          </a:xfrm>
+          <a:prstGeom prst="rect">
+            <a:avLst/>
+          </a:prstGeom>
+          <a:noFill/>
+        </p:spPr>
+      </p:pic>
+      <p:pic>
+        <p:nvPicPr>
+          <p:cNvPr id="3075" name="Picture 3" descr="C:\Users\Phil\Pictures\Cogs 187\MichaelAcevedoInteractivity1.jpg"/>
+          <p:cNvPicPr>
+            <a:picLocks noChangeAspect="1" noChangeArrowheads="1"/>
+          </p:cNvPicPr>
+          <p:nvPr/>
+        </p:nvPicPr>
+        <p:blipFill>
+          <a:blip r:embed="rId3" cstate="print"/>
+          <a:srcRect/>
+          <a:stretch>
+            <a:fillRect/>
+          </a:stretch>
+        </p:blipFill>
+        <p:spPr bwMode="auto">
+          <a:xfrm>
+            <a:off x="5121802" y="3572439"/>
+            <a:ext cx="4022198" cy="3285561"/>
+          </a:xfrm>
+          <a:prstGeom prst="rect">
+            <a:avLst/>
+          </a:prstGeom>
+          <a:noFill/>
+        </p:spPr>
+      </p:pic>
+      <p:pic>
+        <p:nvPicPr>
+          <p:cNvPr id="7" name="Picture 3" descr="C:\Users\Phil\Pictures\Cogs 187\MichaelAcevedoInteractivity3.jpg"/>
+          <p:cNvPicPr>
+            <a:picLocks noChangeAspect="1" noChangeArrowheads="1"/>
+          </p:cNvPicPr>
+          <p:nvPr/>
+        </p:nvPicPr>
+        <p:blipFill>
+          <a:blip r:embed="rId4" cstate="print"/>
+          <a:srcRect/>
+          <a:stretch>
+            <a:fillRect/>
+          </a:stretch>
+        </p:blipFill>
+        <p:spPr bwMode="auto">
+          <a:xfrm>
+            <a:off x="2438400" y="2133600"/>
+            <a:ext cx="2823233" cy="2397769"/>
+          </a:xfrm>
+          <a:prstGeom prst="rect">
+            <a:avLst/>
+          </a:prstGeom>
+          <a:noFill/>
+        </p:spPr>
+      </p:pic>
+      <p:cxnSp>
+        <p:nvCxnSpPr>
+          <p:cNvPr id="9" name="Straight Arrow Connector 8"/>
+          <p:cNvCxnSpPr/>
+          <p:nvPr/>
+        </p:nvCxnSpPr>
+        <p:spPr>
+          <a:xfrm flipH="1">
+            <a:off x="3276600" y="2743200"/>
+            <a:ext cx="2133600" cy="228600"/>
+          </a:xfrm>
+          <a:prstGeom prst="straightConnector1">
+            <a:avLst/>
+          </a:prstGeom>
+          <a:ln>
+            <a:tailEnd type="arrow"/>
+          </a:ln>
+        </p:spPr>
+        <p:style>
+          <a:lnRef idx="1">
+            <a:schemeClr val="accent1"/>
+          </a:lnRef>
+          <a:fillRef idx="0">
+            <a:schemeClr val="accent1"/>
+          </a:fillRef>
+          <a:effectRef idx="0">
+            <a:schemeClr val="accent1"/>
+          </a:effectRef>
+          <a:fontRef idx="minor">
+            <a:schemeClr val="tx1"/>
+          </a:fontRef>
+        </p:style>
+      </p:cxnSp>
+      <p:cxnSp>
+        <p:nvCxnSpPr>
+          <p:cNvPr id="11" name="Straight Arrow Connector 10"/>
+          <p:cNvCxnSpPr/>
+          <p:nvPr/>
+        </p:nvCxnSpPr>
+        <p:spPr>
+          <a:xfrm flipH="1">
+            <a:off x="4572000" y="2743200"/>
+            <a:ext cx="838200" cy="685800"/>
+          </a:xfrm>
+          <a:prstGeom prst="straightConnector1">
+            <a:avLst/>
+          </a:prstGeom>
+          <a:ln>
+            <a:tailEnd type="arrow"/>
+          </a:ln>
+        </p:spPr>
+        <p:style>
+          <a:lnRef idx="1">
+            <a:schemeClr val="accent1"/>
+          </a:lnRef>
+          <a:fillRef idx="0">
+            <a:schemeClr val="accent1"/>
+          </a:fillRef>
+          <a:effectRef idx="0">
+            <a:schemeClr val="accent1"/>
+          </a:effectRef>
+          <a:fontRef idx="minor">
+            <a:schemeClr val="tx1"/>
+          </a:fontRef>
+        </p:style>
+      </p:cxnSp>
+      <p:sp>
+        <p:nvSpPr>
+          <p:cNvPr id="12" name="TextBox 11"/>
+          <p:cNvSpPr txBox="1"/>
+          <p:nvPr/>
+        </p:nvSpPr>
+        <p:spPr>
+          <a:xfrm>
+            <a:off x="1143000" y="5486400"/>
+            <a:ext cx="3657600" cy="307777"/>
+          </a:xfrm>
+          <a:prstGeom prst="rect">
+            <a:avLst/>
+          </a:prstGeom>
+          <a:noFill/>
+        </p:spPr>
+        <p:txBody>
+          <a:bodyPr wrap="square" rtlCol="0">
+            <a:spAutoFit/>
+          </a:bodyPr>
+          <a:lstStyle/>
+          <a:p>
+            <a:r>
+              <a:rPr lang="en-US" sz="1400" dirty="0" smtClean="0"/>
+              <a:t>You can also fill out this form to contact him.</a:t>
+            </a:r>
+            <a:endParaRPr lang="en-US" sz="1400" dirty="0"/>
+          </a:p>
+        </p:txBody>
+      </p:sp>
+    </p:spTree>
+  </p:cSld>
+  <p:clrMapOvr>
+    <a:masterClrMapping/>
+  </p:clrMapOvr>
+</p:sld>
+</file>
+
+<file path=ppt/slides/slide21.xml><?xml version="1.0" encoding="utf-8"?>
+<p:sld xmlns:a="http://schemas.openxmlformats.org/drawingml/2006/main" xmlns:r="http://schemas.openxmlformats.org/officeDocument/2006/relationships" xmlns:p="http://schemas.openxmlformats.org/presentationml/2006/main">
+  <p:cSld>
+    <p:spTree>
+      <p:nvGrpSpPr>
+        <p:cNvPr id="1" name=""/>
+        <p:cNvGrpSpPr/>
+        <p:nvPr/>
+      </p:nvGrpSpPr>
+      <p:grpSpPr>
+        <a:xfrm>
+          <a:off x="0" y="0"/>
+          <a:ext cx="0" cy="0"/>
+          <a:chOff x="0" y="0"/>
+          <a:chExt cx="0" cy="0"/>
+        </a:xfrm>
+      </p:grpSpPr>
+      <p:sp>
+        <p:nvSpPr>
+          <p:cNvPr id="2" name="Title 1"/>
+          <p:cNvSpPr>
+            <a:spLocks noGrp="1"/>
+          </p:cNvSpPr>
+          <p:nvPr>
+            <p:ph type="title"/>
+          </p:nvPr>
+        </p:nvSpPr>
+        <p:spPr>
+          <a:xfrm>
+            <a:off x="457200" y="273050"/>
+            <a:ext cx="3008313" cy="717550"/>
+          </a:xfrm>
+        </p:spPr>
+        <p:txBody>
+          <a:bodyPr/>
+          <a:lstStyle/>
+          <a:p>
+            <a:pPr algn="ctr"/>
+            <a:r>
+              <a:rPr lang="en-US" dirty="0" smtClean="0"/>
+              <a:t>Navigation</a:t>
+            </a:r>
+            <a:endParaRPr lang="en-US" dirty="0"/>
+          </a:p>
+        </p:txBody>
+      </p:sp>
+      <p:pic>
+        <p:nvPicPr>
+          <p:cNvPr id="5" name="Content Placeholder 4" descr="MichaelAcevedoHome.jpg"/>
+          <p:cNvPicPr>
+            <a:picLocks noGrp="1" noChangeAspect="1"/>
+          </p:cNvPicPr>
+          <p:nvPr>
+            <p:ph idx="1"/>
+          </p:nvPr>
+        </p:nvPicPr>
+        <p:blipFill>
+          <a:blip r:embed="rId2" cstate="print"/>
+          <a:stretch>
+            <a:fillRect/>
+          </a:stretch>
+        </p:blipFill>
+        <p:spPr>
+          <a:xfrm>
+            <a:off x="3581400" y="533400"/>
+            <a:ext cx="5111750" cy="3803977"/>
+          </a:xfrm>
+          <a:ln>
+            <a:solidFill>
+              <a:schemeClr val="accent1"/>
+            </a:solidFill>
+          </a:ln>
+        </p:spPr>
+      </p:pic>
+      <p:sp>
+        <p:nvSpPr>
+          <p:cNvPr id="4" name="Text Placeholder 3"/>
+          <p:cNvSpPr>
+            <a:spLocks noGrp="1"/>
+          </p:cNvSpPr>
+          <p:nvPr>
+            <p:ph type="body" sz="half" idx="2"/>
+          </p:nvPr>
+        </p:nvSpPr>
+        <p:spPr>
+          <a:xfrm>
+            <a:off x="457200" y="1219200"/>
+            <a:ext cx="3008313" cy="4906963"/>
+          </a:xfrm>
+        </p:spPr>
+        <p:txBody>
+          <a:bodyPr/>
+          <a:lstStyle/>
+          <a:p>
+            <a:r>
+              <a:rPr lang="en-US" dirty="0" smtClean="0"/>
+              <a:t>Since it is all on one page, navigation is simple. It is made easier by the top bar and the sidebar, which only appear after the top bar moves off-screen.</a:t>
+            </a:r>
+          </a:p>
+          <a:p>
+            <a:endParaRPr lang="en-US" dirty="0" smtClean="0"/>
+          </a:p>
+          <a:p>
+            <a:endParaRPr lang="en-US" dirty="0" smtClean="0"/>
+          </a:p>
+          <a:p>
+            <a:endParaRPr lang="en-US" dirty="0" smtClean="0"/>
+          </a:p>
+          <a:p>
+            <a:endParaRPr lang="en-US" dirty="0" smtClean="0"/>
+          </a:p>
+          <a:p>
+            <a:endParaRPr lang="en-US" dirty="0" smtClean="0"/>
+          </a:p>
+          <a:p>
+            <a:r>
+              <a:rPr lang="en-US" dirty="0" smtClean="0"/>
+              <a:t>Moving back to the home page from selecting a design is easily done by clicking away from the image or clicking the exit button.</a:t>
+            </a:r>
+            <a:endParaRPr lang="en-US" dirty="0"/>
+          </a:p>
+        </p:txBody>
+      </p:sp>
+      <p:sp>
+        <p:nvSpPr>
+          <p:cNvPr id="6" name="Oval 5"/>
+          <p:cNvSpPr/>
+          <p:nvPr/>
+        </p:nvSpPr>
+        <p:spPr>
+          <a:xfrm>
+            <a:off x="7010400" y="457200"/>
+            <a:ext cx="1219200" cy="304800"/>
+          </a:xfrm>
+          <a:prstGeom prst="ellipse">
+            <a:avLst/>
+          </a:prstGeom>
+          <a:noFill/>
+        </p:spPr>
+        <p:style>
+          <a:lnRef idx="2">
+            <a:schemeClr val="accent1">
+              <a:shade val="50000"/>
+            </a:schemeClr>
+          </a:lnRef>
+          <a:fillRef idx="1">
+            <a:schemeClr val="accent1"/>
+          </a:fillRef>
+          <a:effectRef idx="0">
+            <a:schemeClr val="accent1"/>
+          </a:effectRef>
+          <a:fontRef idx="minor">
+            <a:schemeClr val="lt1"/>
+          </a:fontRef>
+        </p:style>
+        <p:txBody>
+          <a:bodyPr rtlCol="0" anchor="ctr"/>
+          <a:lstStyle/>
+          <a:p>
+            <a:pPr algn="ctr"/>
+            <a:endParaRPr lang="en-US"/>
+          </a:p>
+        </p:txBody>
+      </p:sp>
+      <p:pic>
+        <p:nvPicPr>
+          <p:cNvPr id="7" name="Picture 2" descr="C:\Users\Phil\Pictures\Cogs 187\MichaelAcevedoNavigation1.jpg"/>
+          <p:cNvPicPr>
+            <a:picLocks noChangeAspect="1" noChangeArrowheads="1"/>
+          </p:cNvPicPr>
+          <p:nvPr/>
+        </p:nvPicPr>
+        <p:blipFill>
+          <a:blip r:embed="rId3" cstate="print"/>
+          <a:srcRect/>
+          <a:stretch>
+            <a:fillRect/>
+          </a:stretch>
+        </p:blipFill>
+        <p:spPr bwMode="auto">
+          <a:xfrm>
+            <a:off x="3352800" y="1981200"/>
+            <a:ext cx="5245691" cy="4233862"/>
+          </a:xfrm>
+          <a:prstGeom prst="rect">
+            <a:avLst/>
+          </a:prstGeom>
+          <a:noFill/>
+          <a:ln>
+            <a:solidFill>
+              <a:schemeClr val="accent1"/>
+            </a:solidFill>
+          </a:ln>
+        </p:spPr>
+      </p:pic>
+      <p:sp>
+        <p:nvSpPr>
+          <p:cNvPr id="8" name="Oval 7"/>
+          <p:cNvSpPr/>
+          <p:nvPr/>
+        </p:nvSpPr>
+        <p:spPr>
+          <a:xfrm>
+            <a:off x="7086600" y="2438400"/>
+            <a:ext cx="1219200" cy="304800"/>
+          </a:xfrm>
+          <a:prstGeom prst="ellipse">
+            <a:avLst/>
+          </a:prstGeom>
+          <a:noFill/>
+        </p:spPr>
+        <p:style>
+          <a:lnRef idx="2">
+            <a:schemeClr val="accent1">
+              <a:shade val="50000"/>
+            </a:schemeClr>
+          </a:lnRef>
+          <a:fillRef idx="1">
+            <a:schemeClr val="accent1"/>
+          </a:fillRef>
+          <a:effectRef idx="0">
+            <a:schemeClr val="accent1"/>
+          </a:effectRef>
+          <a:fontRef idx="minor">
+            <a:schemeClr val="lt1"/>
+          </a:fontRef>
+        </p:style>
+        <p:txBody>
+          <a:bodyPr rtlCol="0" anchor="ctr"/>
+          <a:lstStyle/>
+          <a:p>
+            <a:pPr algn="ctr"/>
+            <a:endParaRPr lang="en-US"/>
+          </a:p>
+        </p:txBody>
+      </p:sp>
+    </p:spTree>
+  </p:cSld>
+  <p:clrMapOvr>
+    <a:masterClrMapping/>
+  </p:clrMapOvr>
+</p:sld>
+</file>
+
+<file path=ppt/slides/slide22.xml><?xml version="1.0" encoding="utf-8"?>
+<p:sld xmlns:a="http://schemas.openxmlformats.org/drawingml/2006/main" xmlns:r="http://schemas.openxmlformats.org/officeDocument/2006/relationships" xmlns:p="http://schemas.openxmlformats.org/presentationml/2006/main">
+  <p:cSld>
+    <p:spTree>
+      <p:nvGrpSpPr>
+        <p:cNvPr id="1" name=""/>
+        <p:cNvGrpSpPr/>
+        <p:nvPr/>
+      </p:nvGrpSpPr>
+      <p:grpSpPr>
+        <a:xfrm>
+          <a:off x="0" y="0"/>
+          <a:ext cx="0" cy="0"/>
+          <a:chOff x="0" y="0"/>
+          <a:chExt cx="0" cy="0"/>
+        </a:xfrm>
+      </p:grpSpPr>
+      <p:sp>
+        <p:nvSpPr>
+          <p:cNvPr id="2" name="Title 1"/>
+          <p:cNvSpPr>
+            <a:spLocks noGrp="1"/>
+          </p:cNvSpPr>
+          <p:nvPr>
+            <p:ph type="title"/>
+          </p:nvPr>
+        </p:nvSpPr>
+        <p:spPr/>
+        <p:txBody>
+          <a:bodyPr/>
+          <a:lstStyle/>
+          <a:p>
+            <a:r>
+              <a:rPr lang="en-US" dirty="0" smtClean="0"/>
+              <a:t>5) Lounge Lizard</a:t>
+            </a:r>
+            <a:endParaRPr lang="en-US" dirty="0"/>
+          </a:p>
+        </p:txBody>
+      </p:sp>
+      <p:pic>
+        <p:nvPicPr>
+          <p:cNvPr id="5" name="Picture Placeholder 4" descr="LoungeLizardHome.jpg"/>
+          <p:cNvPicPr>
+            <a:picLocks noGrp="1" noChangeAspect="1"/>
+          </p:cNvPicPr>
+          <p:nvPr>
+            <p:ph type="pic" idx="1"/>
+          </p:nvPr>
+        </p:nvPicPr>
+        <p:blipFill>
+          <a:blip r:embed="rId2" cstate="print"/>
+          <a:srcRect l="7509" r="7509"/>
+          <a:stretch>
+            <a:fillRect/>
+          </a:stretch>
+        </p:blipFill>
+        <p:spPr/>
+      </p:pic>
+      <p:sp>
+        <p:nvSpPr>
+          <p:cNvPr id="4" name="Text Placeholder 3"/>
+          <p:cNvSpPr>
+            <a:spLocks noGrp="1"/>
+          </p:cNvSpPr>
+          <p:nvPr>
+            <p:ph type="body" sz="half" idx="2"/>
+          </p:nvPr>
+        </p:nvSpPr>
+        <p:spPr/>
+        <p:txBody>
+          <a:bodyPr>
+            <a:normAutofit lnSpcReduction="10000"/>
+          </a:bodyPr>
+          <a:lstStyle/>
+          <a:p>
+            <a:r>
+              <a:rPr lang="en-US" dirty="0" smtClean="0">
+                <a:hlinkClick r:id="rId3"/>
+              </a:rPr>
+              <a:t>www.loungelizard.com</a:t>
+            </a:r>
+            <a:endParaRPr lang="en-US" dirty="0" smtClean="0"/>
+          </a:p>
+          <a:p>
+            <a:r>
+              <a:rPr lang="en-US" dirty="0" smtClean="0"/>
+              <a:t>Date Visited: 1/19/12</a:t>
+            </a:r>
+          </a:p>
+          <a:p>
+            <a:r>
+              <a:rPr lang="en-US" dirty="0" smtClean="0"/>
+              <a:t>Layout – Custom (Interactive)</a:t>
+            </a:r>
+            <a:endParaRPr lang="en-US" dirty="0"/>
+          </a:p>
+        </p:txBody>
+      </p:sp>
+    </p:spTree>
+  </p:cSld>
+  <p:clrMapOvr>
+    <a:masterClrMapping/>
+  </p:clrMapOvr>
+</p:sld>
+</file>
+
+<file path=ppt/slides/slide23.xml><?xml version="1.0" encoding="utf-8"?>
+<p:sld xmlns:a="http://schemas.openxmlformats.org/drawingml/2006/main" xmlns:r="http://schemas.openxmlformats.org/officeDocument/2006/relationships" xmlns:p="http://schemas.openxmlformats.org/presentationml/2006/main">
+  <p:cSld>
+    <p:spTree>
+      <p:nvGrpSpPr>
+        <p:cNvPr id="1" name=""/>
+        <p:cNvGrpSpPr/>
+        <p:nvPr/>
+      </p:nvGrpSpPr>
+      <p:grpSpPr>
+        <a:xfrm>
+          <a:off x="0" y="0"/>
+          <a:ext cx="0" cy="0"/>
+          <a:chOff x="0" y="0"/>
+          <a:chExt cx="0" cy="0"/>
+        </a:xfrm>
+      </p:grpSpPr>
+      <p:sp>
+        <p:nvSpPr>
+          <p:cNvPr id="2" name="Title 1"/>
+          <p:cNvSpPr>
+            <a:spLocks noGrp="1"/>
+          </p:cNvSpPr>
+          <p:nvPr>
+            <p:ph type="title"/>
+          </p:nvPr>
+        </p:nvSpPr>
+        <p:spPr/>
+        <p:txBody>
+          <a:bodyPr/>
+          <a:lstStyle/>
+          <a:p>
+            <a:pPr algn="ctr"/>
+            <a:r>
+              <a:rPr lang="en-US" dirty="0" smtClean="0"/>
+              <a:t>Brand</a:t>
+            </a:r>
+            <a:endParaRPr lang="en-US" dirty="0"/>
+          </a:p>
+        </p:txBody>
+      </p:sp>
+      <p:sp>
+        <p:nvSpPr>
+          <p:cNvPr id="4" name="Text Placeholder 3"/>
+          <p:cNvSpPr>
+            <a:spLocks noGrp="1"/>
+          </p:cNvSpPr>
+          <p:nvPr>
+            <p:ph type="body" sz="half" idx="2"/>
+          </p:nvPr>
+        </p:nvSpPr>
+        <p:spPr>
+          <a:xfrm>
+            <a:off x="1792288" y="5367338"/>
+            <a:ext cx="5486400" cy="957262"/>
+          </a:xfrm>
+        </p:spPr>
+        <p:txBody>
+          <a:bodyPr>
+            <a:normAutofit fontScale="85000" lnSpcReduction="20000"/>
+          </a:bodyPr>
+          <a:lstStyle/>
+          <a:p>
+            <a:r>
+              <a:rPr lang="en-US" dirty="0" smtClean="0"/>
+              <a:t>Creative – A fully interactive homepage with a bar theme. Each link is associated with an image that moves when </a:t>
+            </a:r>
+            <a:r>
+              <a:rPr lang="en-US" dirty="0" err="1" smtClean="0"/>
+              <a:t>moused</a:t>
+            </a:r>
+            <a:r>
+              <a:rPr lang="en-US" dirty="0" smtClean="0"/>
+              <a:t>-over.</a:t>
+            </a:r>
+          </a:p>
+          <a:p>
+            <a:r>
+              <a:rPr lang="en-US" dirty="0" smtClean="0"/>
+              <a:t>Skilled – It takes skill to create such a homepage.</a:t>
+            </a:r>
+          </a:p>
+          <a:p>
+            <a:r>
+              <a:rPr lang="en-US" dirty="0" smtClean="0"/>
+              <a:t>Fun – There are games and small extras on the site just for fun. (You can light the candle)</a:t>
+            </a:r>
+            <a:endParaRPr lang="en-US" dirty="0"/>
+          </a:p>
+        </p:txBody>
+      </p:sp>
+      <p:pic>
+        <p:nvPicPr>
+          <p:cNvPr id="8" name="Picture Placeholder 4" descr="LoungeLizardHome.jpg"/>
+          <p:cNvPicPr>
+            <a:picLocks noGrp="1" noChangeAspect="1"/>
+          </p:cNvPicPr>
+          <p:nvPr>
+            <p:ph type="pic" idx="1"/>
+          </p:nvPr>
+        </p:nvPicPr>
+        <p:blipFill>
+          <a:blip r:embed="rId2" cstate="print"/>
+          <a:srcRect l="7509" r="7509"/>
+          <a:stretch>
+            <a:fillRect/>
+          </a:stretch>
+        </p:blipFill>
+        <p:spPr>
+          <a:xfrm>
+            <a:off x="1600200" y="381000"/>
+            <a:ext cx="6172200" cy="4629150"/>
+          </a:xfrm>
+        </p:spPr>
+      </p:pic>
+      <p:sp>
+        <p:nvSpPr>
+          <p:cNvPr id="9" name="Arc 8"/>
+          <p:cNvSpPr/>
+          <p:nvPr/>
+        </p:nvSpPr>
+        <p:spPr>
+          <a:xfrm rot="10957127">
+            <a:off x="945394" y="1997148"/>
+            <a:ext cx="2546032" cy="3996558"/>
+          </a:xfrm>
+          <a:prstGeom prst="arc">
+            <a:avLst>
+              <a:gd name="adj1" fmla="val 16793873"/>
+              <a:gd name="adj2" fmla="val 4655229"/>
+            </a:avLst>
+          </a:prstGeom>
+        </p:spPr>
+        <p:style>
+          <a:lnRef idx="1">
+            <a:schemeClr val="accent1"/>
+          </a:lnRef>
+          <a:fillRef idx="0">
+            <a:schemeClr val="accent1"/>
+          </a:fillRef>
+          <a:effectRef idx="0">
+            <a:schemeClr val="accent1"/>
+          </a:effectRef>
+          <a:fontRef idx="minor">
+            <a:schemeClr val="tx1"/>
+          </a:fontRef>
+        </p:style>
+        <p:txBody>
+          <a:bodyPr rtlCol="0" anchor="ctr"/>
+          <a:lstStyle/>
+          <a:p>
+            <a:pPr algn="ctr"/>
+            <a:endParaRPr lang="en-US"/>
+          </a:p>
+        </p:txBody>
+      </p:sp>
+      <p:sp>
+        <p:nvSpPr>
+          <p:cNvPr id="10" name="Oval 9"/>
+          <p:cNvSpPr/>
+          <p:nvPr/>
+        </p:nvSpPr>
+        <p:spPr>
+          <a:xfrm>
+            <a:off x="1905000" y="1600200"/>
+            <a:ext cx="762000" cy="762000"/>
+          </a:xfrm>
+          <a:prstGeom prst="ellipse">
+            <a:avLst/>
+          </a:prstGeom>
+          <a:noFill/>
+        </p:spPr>
+        <p:style>
+          <a:lnRef idx="2">
+            <a:schemeClr val="accent1">
+              <a:shade val="50000"/>
+            </a:schemeClr>
+          </a:lnRef>
+          <a:fillRef idx="1">
+            <a:schemeClr val="accent1"/>
+          </a:fillRef>
+          <a:effectRef idx="0">
+            <a:schemeClr val="accent1"/>
+          </a:effectRef>
+          <a:fontRef idx="minor">
+            <a:schemeClr val="lt1"/>
+          </a:fontRef>
+        </p:style>
+        <p:txBody>
+          <a:bodyPr rtlCol="0" anchor="ctr"/>
+          <a:lstStyle/>
+          <a:p>
+            <a:pPr algn="ctr"/>
+            <a:endParaRPr lang="en-US"/>
+          </a:p>
+        </p:txBody>
+      </p:sp>
+      <p:sp>
+        <p:nvSpPr>
+          <p:cNvPr id="11" name="Left Brace 10"/>
+          <p:cNvSpPr/>
+          <p:nvPr/>
+        </p:nvSpPr>
+        <p:spPr>
+          <a:xfrm>
+            <a:off x="1828800" y="2514600"/>
+            <a:ext cx="304800" cy="1219200"/>
+          </a:xfrm>
+          <a:prstGeom prst="leftBrace">
+            <a:avLst/>
+          </a:prstGeom>
+        </p:spPr>
+        <p:style>
+          <a:lnRef idx="1">
+            <a:schemeClr val="accent1"/>
+          </a:lnRef>
+          <a:fillRef idx="0">
+            <a:schemeClr val="accent1"/>
+          </a:fillRef>
+          <a:effectRef idx="0">
+            <a:schemeClr val="accent1"/>
+          </a:effectRef>
+          <a:fontRef idx="minor">
+            <a:schemeClr val="tx1"/>
+          </a:fontRef>
+        </p:style>
+        <p:txBody>
+          <a:bodyPr rtlCol="0" anchor="ctr"/>
+          <a:lstStyle/>
+          <a:p>
+            <a:pPr algn="ctr"/>
+            <a:endParaRPr lang="en-US"/>
+          </a:p>
+        </p:txBody>
+      </p:sp>
+      <p:sp>
+        <p:nvSpPr>
+          <p:cNvPr id="12" name="Right Brace 11"/>
+          <p:cNvSpPr/>
+          <p:nvPr/>
+        </p:nvSpPr>
+        <p:spPr>
+          <a:xfrm>
+            <a:off x="5562600" y="2438400"/>
+            <a:ext cx="304800" cy="1295400"/>
+          </a:xfrm>
+          <a:prstGeom prst="rightBrace">
+            <a:avLst/>
+          </a:prstGeom>
+        </p:spPr>
+        <p:style>
+          <a:lnRef idx="1">
+            <a:schemeClr val="accent1"/>
+          </a:lnRef>
+          <a:fillRef idx="0">
+            <a:schemeClr val="accent1"/>
+          </a:fillRef>
+          <a:effectRef idx="0">
+            <a:schemeClr val="accent1"/>
+          </a:effectRef>
+          <a:fontRef idx="minor">
+            <a:schemeClr val="tx1"/>
+          </a:fontRef>
+        </p:style>
+        <p:txBody>
+          <a:bodyPr rtlCol="0" anchor="ctr"/>
+          <a:lstStyle/>
+          <a:p>
+            <a:pPr algn="ctr"/>
+            <a:endParaRPr lang="en-US"/>
+          </a:p>
+        </p:txBody>
+      </p:sp>
+      <p:sp>
+        <p:nvSpPr>
+          <p:cNvPr id="13" name="Rectangle 12"/>
+          <p:cNvSpPr/>
+          <p:nvPr/>
+        </p:nvSpPr>
+        <p:spPr>
+          <a:xfrm>
+            <a:off x="4724400" y="990600"/>
+            <a:ext cx="1905000" cy="1295400"/>
+          </a:xfrm>
+          <a:prstGeom prst="rect">
+            <a:avLst/>
+          </a:prstGeom>
+          <a:noFill/>
+        </p:spPr>
+        <p:style>
+          <a:lnRef idx="2">
+            <a:schemeClr val="accent1">
+              <a:shade val="50000"/>
+            </a:schemeClr>
+          </a:lnRef>
+          <a:fillRef idx="1">
+            <a:schemeClr val="accent1"/>
+          </a:fillRef>
+          <a:effectRef idx="0">
+            <a:schemeClr val="accent1"/>
+          </a:effectRef>
+          <a:fontRef idx="minor">
+            <a:schemeClr val="lt1"/>
+          </a:fontRef>
+        </p:style>
+        <p:txBody>
+          <a:bodyPr rtlCol="0" anchor="ctr"/>
+          <a:lstStyle/>
+          <a:p>
+            <a:pPr algn="ctr"/>
+            <a:endParaRPr lang="en-US"/>
+          </a:p>
+        </p:txBody>
+      </p:sp>
+    </p:spTree>
+  </p:cSld>
+  <p:clrMapOvr>
+    <a:masterClrMapping/>
+  </p:clrMapOvr>
+</p:sld>
+</file>
+
+<file path=ppt/slides/slide24.xml><?xml version="1.0" encoding="utf-8"?>
+<p:sld xmlns:a="http://schemas.openxmlformats.org/drawingml/2006/main" xmlns:r="http://schemas.openxmlformats.org/officeDocument/2006/relationships" xmlns:p="http://schemas.openxmlformats.org/presentationml/2006/main">
+  <p:cSld>
+    <p:spTree>
+      <p:nvGrpSpPr>
+        <p:cNvPr id="1" name=""/>
+        <p:cNvGrpSpPr/>
+        <p:nvPr/>
+      </p:nvGrpSpPr>
+      <p:grpSpPr>
+        <a:xfrm>
+          <a:off x="0" y="0"/>
+          <a:ext cx="0" cy="0"/>
+          <a:chOff x="0" y="0"/>
+          <a:chExt cx="0" cy="0"/>
+        </a:xfrm>
+      </p:grpSpPr>
+      <p:sp>
+        <p:nvSpPr>
+          <p:cNvPr id="2" name="Title 1"/>
+          <p:cNvSpPr>
+            <a:spLocks noGrp="1"/>
+          </p:cNvSpPr>
+          <p:nvPr>
+            <p:ph type="title"/>
+          </p:nvPr>
+        </p:nvSpPr>
+        <p:spPr>
+          <a:xfrm>
+            <a:off x="457200" y="273050"/>
+            <a:ext cx="3008313" cy="488950"/>
+          </a:xfrm>
+        </p:spPr>
+        <p:txBody>
+          <a:bodyPr/>
+          <a:lstStyle/>
+          <a:p>
+            <a:pPr algn="ctr"/>
+            <a:r>
+              <a:rPr lang="en-US" dirty="0" smtClean="0"/>
+              <a:t>Functionality</a:t>
+            </a:r>
+            <a:endParaRPr lang="en-US" dirty="0"/>
+          </a:p>
+        </p:txBody>
+      </p:sp>
+      <p:sp>
+        <p:nvSpPr>
+          <p:cNvPr id="4" name="Text Placeholder 3"/>
+          <p:cNvSpPr>
+            <a:spLocks noGrp="1"/>
+          </p:cNvSpPr>
+          <p:nvPr>
+            <p:ph type="body" sz="half" idx="2"/>
+          </p:nvPr>
+        </p:nvSpPr>
+        <p:spPr>
+          <a:xfrm>
+            <a:off x="457200" y="914400"/>
+            <a:ext cx="3008313" cy="5211763"/>
+          </a:xfrm>
+        </p:spPr>
+        <p:txBody>
+          <a:bodyPr/>
+          <a:lstStyle/>
+          <a:p>
+            <a:r>
+              <a:rPr lang="en-US" dirty="0" smtClean="0"/>
+              <a:t>Aside from the actual site to demonstrate their skill, they also have a web portfolio for people to see what other woks they have done.</a:t>
+            </a:r>
+          </a:p>
+          <a:p>
+            <a:endParaRPr lang="en-US" dirty="0" smtClean="0"/>
+          </a:p>
+          <a:p>
+            <a:r>
+              <a:rPr lang="en-US" dirty="0" smtClean="0"/>
+              <a:t>They also explain their ideas behind each design on the right.</a:t>
+            </a:r>
+          </a:p>
+          <a:p>
+            <a:endParaRPr lang="en-US" dirty="0" smtClean="0"/>
+          </a:p>
+          <a:p>
+            <a:endParaRPr lang="en-US" dirty="0" smtClean="0"/>
+          </a:p>
+          <a:p>
+            <a:endParaRPr lang="en-US" dirty="0" smtClean="0"/>
+          </a:p>
+          <a:p>
+            <a:endParaRPr lang="en-US" dirty="0" smtClean="0"/>
+          </a:p>
+          <a:p>
+            <a:r>
+              <a:rPr lang="en-US" dirty="0" smtClean="0"/>
+              <a:t>Although the site may seem confusing at first, there are breadcrumbs to lead you toward the right direction.</a:t>
+            </a:r>
+          </a:p>
+          <a:p>
+            <a:endParaRPr lang="en-US" dirty="0" smtClean="0"/>
+          </a:p>
+          <a:p>
+            <a:r>
+              <a:rPr lang="en-US" dirty="0" smtClean="0"/>
+              <a:t>The text is scrolling across the screen to tell you what to do.</a:t>
+            </a:r>
+            <a:endParaRPr lang="en-US" dirty="0"/>
+          </a:p>
+        </p:txBody>
+      </p:sp>
+      <p:pic>
+        <p:nvPicPr>
+          <p:cNvPr id="5122" name="Picture 2" descr="C:\Users\Phil\Pictures\Cogs 187\LoungeLizardFunctionality.jpg"/>
+          <p:cNvPicPr>
+            <a:picLocks noChangeAspect="1" noChangeArrowheads="1"/>
+          </p:cNvPicPr>
+          <p:nvPr/>
+        </p:nvPicPr>
+        <p:blipFill>
+          <a:blip r:embed="rId2" cstate="print"/>
+          <a:srcRect/>
+          <a:stretch>
+            <a:fillRect/>
+          </a:stretch>
+        </p:blipFill>
+        <p:spPr bwMode="auto">
+          <a:xfrm>
+            <a:off x="3505200" y="228600"/>
+            <a:ext cx="5376887" cy="3200400"/>
+          </a:xfrm>
+          <a:prstGeom prst="rect">
+            <a:avLst/>
+          </a:prstGeom>
+          <a:noFill/>
+        </p:spPr>
+      </p:pic>
+      <p:sp>
+        <p:nvSpPr>
+          <p:cNvPr id="6" name="Rectangle 5"/>
+          <p:cNvSpPr/>
+          <p:nvPr/>
+        </p:nvSpPr>
+        <p:spPr>
+          <a:xfrm rot="419361">
+            <a:off x="7513634" y="1677055"/>
+            <a:ext cx="1314280" cy="836891"/>
+          </a:xfrm>
+          <a:prstGeom prst="rect">
+            <a:avLst/>
+          </a:prstGeom>
+          <a:noFill/>
+        </p:spPr>
+        <p:style>
+          <a:lnRef idx="2">
+            <a:schemeClr val="accent1">
+              <a:shade val="50000"/>
+            </a:schemeClr>
+          </a:lnRef>
+          <a:fillRef idx="1">
+            <a:schemeClr val="accent1"/>
+          </a:fillRef>
+          <a:effectRef idx="0">
+            <a:schemeClr val="accent1"/>
+          </a:effectRef>
+          <a:fontRef idx="minor">
+            <a:schemeClr val="lt1"/>
+          </a:fontRef>
+        </p:style>
+        <p:txBody>
+          <a:bodyPr rtlCol="0" anchor="ctr"/>
+          <a:lstStyle/>
+          <a:p>
+            <a:pPr algn="ctr"/>
+            <a:endParaRPr lang="en-US"/>
+          </a:p>
+        </p:txBody>
+      </p:sp>
+      <p:pic>
+        <p:nvPicPr>
+          <p:cNvPr id="5123" name="Picture 3" descr="C:\Users\Phil\Pictures\Cogs 187\LoungeLizardFunctionality2.jpg"/>
+          <p:cNvPicPr>
+            <a:picLocks noChangeAspect="1" noChangeArrowheads="1"/>
+          </p:cNvPicPr>
+          <p:nvPr/>
+        </p:nvPicPr>
+        <p:blipFill>
+          <a:blip r:embed="rId3" cstate="print"/>
+          <a:srcRect/>
+          <a:stretch>
+            <a:fillRect/>
+          </a:stretch>
+        </p:blipFill>
+        <p:spPr bwMode="auto">
+          <a:xfrm>
+            <a:off x="3505200" y="3505200"/>
+            <a:ext cx="5334000" cy="3189731"/>
+          </a:xfrm>
+          <a:prstGeom prst="rect">
+            <a:avLst/>
+          </a:prstGeom>
+          <a:noFill/>
+        </p:spPr>
+      </p:pic>
+      <p:sp>
+        <p:nvSpPr>
+          <p:cNvPr id="8" name="Rectangle 7"/>
+          <p:cNvSpPr/>
+          <p:nvPr/>
+        </p:nvSpPr>
+        <p:spPr>
+          <a:xfrm>
+            <a:off x="7620000" y="3810000"/>
+            <a:ext cx="990600" cy="2057400"/>
+          </a:xfrm>
+          <a:prstGeom prst="rect">
+            <a:avLst/>
+          </a:prstGeom>
+          <a:noFill/>
+        </p:spPr>
+        <p:style>
+          <a:lnRef idx="2">
+            <a:schemeClr val="accent1">
+              <a:shade val="50000"/>
+            </a:schemeClr>
+          </a:lnRef>
+          <a:fillRef idx="1">
+            <a:schemeClr val="accent1"/>
+          </a:fillRef>
+          <a:effectRef idx="0">
+            <a:schemeClr val="accent1"/>
+          </a:effectRef>
+          <a:fontRef idx="minor">
+            <a:schemeClr val="lt1"/>
+          </a:fontRef>
+        </p:style>
+        <p:txBody>
+          <a:bodyPr rtlCol="0" anchor="ctr"/>
+          <a:lstStyle/>
+          <a:p>
+            <a:pPr algn="ctr"/>
+            <a:endParaRPr lang="en-US"/>
+          </a:p>
+        </p:txBody>
+      </p:sp>
+      <p:sp>
+        <p:nvSpPr>
+          <p:cNvPr id="9" name="Rectangle 8"/>
+          <p:cNvSpPr/>
+          <p:nvPr/>
+        </p:nvSpPr>
+        <p:spPr>
+          <a:xfrm>
+            <a:off x="5257800" y="4724400"/>
+            <a:ext cx="1295400" cy="228600"/>
+          </a:xfrm>
+          <a:prstGeom prst="rect">
+            <a:avLst/>
+          </a:prstGeom>
+          <a:noFill/>
+        </p:spPr>
+        <p:style>
+          <a:lnRef idx="2">
+            <a:schemeClr val="accent1">
+              <a:shade val="50000"/>
+            </a:schemeClr>
+          </a:lnRef>
+          <a:fillRef idx="1">
+            <a:schemeClr val="accent1"/>
+          </a:fillRef>
+          <a:effectRef idx="0">
+            <a:schemeClr val="accent1"/>
+          </a:effectRef>
+          <a:fontRef idx="minor">
+            <a:schemeClr val="lt1"/>
+          </a:fontRef>
+        </p:style>
+        <p:txBody>
+          <a:bodyPr rtlCol="0" anchor="ctr"/>
+          <a:lstStyle/>
+          <a:p>
+            <a:pPr algn="ctr"/>
+            <a:endParaRPr lang="en-US"/>
+          </a:p>
+        </p:txBody>
+      </p:sp>
+    </p:spTree>
+  </p:cSld>
+  <p:clrMapOvr>
+    <a:masterClrMapping/>
+  </p:clrMapOvr>
+</p:sld>
+</file>
+
+<file path=ppt/slides/slide25.xml><?xml version="1.0" encoding="utf-8"?>
+<p:sld xmlns:a="http://schemas.openxmlformats.org/drawingml/2006/main" xmlns:r="http://schemas.openxmlformats.org/officeDocument/2006/relationships" xmlns:p="http://schemas.openxmlformats.org/presentationml/2006/main">
+  <p:cSld>
+    <p:spTree>
+      <p:nvGrpSpPr>
+        <p:cNvPr id="1" name=""/>
+        <p:cNvGrpSpPr/>
+        <p:nvPr/>
+      </p:nvGrpSpPr>
+      <p:grpSpPr>
+        <a:xfrm>
+          <a:off x="0" y="0"/>
+          <a:ext cx="0" cy="0"/>
+          <a:chOff x="0" y="0"/>
+          <a:chExt cx="0" cy="0"/>
+        </a:xfrm>
+      </p:grpSpPr>
+      <p:sp>
+        <p:nvSpPr>
+          <p:cNvPr id="2" name="Title 1"/>
+          <p:cNvSpPr>
+            <a:spLocks noGrp="1"/>
+          </p:cNvSpPr>
+          <p:nvPr>
+            <p:ph type="title"/>
+          </p:nvPr>
+        </p:nvSpPr>
+        <p:spPr>
+          <a:xfrm>
+            <a:off x="457200" y="273050"/>
+            <a:ext cx="3008313" cy="717550"/>
+          </a:xfrm>
+        </p:spPr>
+        <p:txBody>
+          <a:bodyPr/>
+          <a:lstStyle/>
+          <a:p>
+            <a:pPr algn="ctr"/>
+            <a:r>
+              <a:rPr lang="en-US" dirty="0" smtClean="0"/>
+              <a:t>Interactivity</a:t>
+            </a:r>
+            <a:endParaRPr lang="en-US" dirty="0"/>
+          </a:p>
+        </p:txBody>
+      </p:sp>
+      <p:sp>
+        <p:nvSpPr>
+          <p:cNvPr id="4" name="Text Placeholder 3"/>
+          <p:cNvSpPr>
+            <a:spLocks noGrp="1"/>
+          </p:cNvSpPr>
+          <p:nvPr>
+            <p:ph type="body" sz="half" idx="2"/>
+          </p:nvPr>
+        </p:nvSpPr>
+        <p:spPr>
+          <a:xfrm>
+            <a:off x="457200" y="1143000"/>
+            <a:ext cx="3008313" cy="4983163"/>
+          </a:xfrm>
+        </p:spPr>
+        <p:txBody>
+          <a:bodyPr/>
+          <a:lstStyle/>
+          <a:p>
+            <a:r>
+              <a:rPr lang="en-US" dirty="0" smtClean="0"/>
+              <a:t>The site is almost completely interactive. You cannot get any information without interacting with the site. This might provide usability issues.</a:t>
+            </a:r>
+          </a:p>
+          <a:p>
+            <a:endParaRPr lang="en-US" dirty="0" smtClean="0"/>
+          </a:p>
+          <a:p>
+            <a:endParaRPr lang="en-US" dirty="0" smtClean="0"/>
+          </a:p>
+          <a:p>
+            <a:endParaRPr lang="en-US" dirty="0" smtClean="0"/>
+          </a:p>
+          <a:p>
+            <a:r>
+              <a:rPr lang="en-US" dirty="0" smtClean="0"/>
+              <a:t>You can even play games on the site!</a:t>
+            </a:r>
+            <a:endParaRPr lang="en-US" dirty="0"/>
+          </a:p>
+        </p:txBody>
+      </p:sp>
+      <p:pic>
+        <p:nvPicPr>
+          <p:cNvPr id="6147" name="Picture 3" descr="C:\Users\Phil\Pictures\Cogs 187\LoungeLizardInteractivity2.jpg"/>
+          <p:cNvPicPr>
+            <a:picLocks noChangeAspect="1" noChangeArrowheads="1"/>
+          </p:cNvPicPr>
+          <p:nvPr/>
+        </p:nvPicPr>
+        <p:blipFill>
+          <a:blip r:embed="rId2" cstate="print"/>
+          <a:srcRect/>
+          <a:stretch>
+            <a:fillRect/>
+          </a:stretch>
+        </p:blipFill>
+        <p:spPr bwMode="auto">
+          <a:xfrm>
+            <a:off x="4191000" y="304800"/>
+            <a:ext cx="4682490" cy="3696703"/>
+          </a:xfrm>
+          <a:prstGeom prst="rect">
+            <a:avLst/>
+          </a:prstGeom>
+          <a:noFill/>
+        </p:spPr>
+      </p:pic>
+      <p:pic>
+        <p:nvPicPr>
+          <p:cNvPr id="6146" name="Picture 2" descr="C:\Users\Phil\Pictures\Cogs 187\LoungeLizardInteractivity1.jpg"/>
+          <p:cNvPicPr>
+            <a:picLocks noChangeAspect="1" noChangeArrowheads="1"/>
+          </p:cNvPicPr>
+          <p:nvPr/>
+        </p:nvPicPr>
+        <p:blipFill>
+          <a:blip r:embed="rId3" cstate="print"/>
+          <a:srcRect b="16766"/>
+          <a:stretch>
+            <a:fillRect/>
+          </a:stretch>
+        </p:blipFill>
+        <p:spPr bwMode="auto">
+          <a:xfrm>
+            <a:off x="457200" y="3505200"/>
+            <a:ext cx="5946775" cy="2971800"/>
+          </a:xfrm>
+          <a:prstGeom prst="rect">
+            <a:avLst/>
+          </a:prstGeom>
+          <a:noFill/>
+        </p:spPr>
+      </p:pic>
+    </p:spTree>
+  </p:cSld>
+  <p:clrMapOvr>
+    <a:masterClrMapping/>
+  </p:clrMapOvr>
+</p:sld>
+</file>
+
+<file path=ppt/slides/slide26.xml><?xml version="1.0" encoding="utf-8"?>
+<p:sld xmlns:a="http://schemas.openxmlformats.org/drawingml/2006/main" xmlns:r="http://schemas.openxmlformats.org/officeDocument/2006/relationships" xmlns:p="http://schemas.openxmlformats.org/presentationml/2006/main">
+  <p:cSld>
+    <p:spTree>
+      <p:nvGrpSpPr>
+        <p:cNvPr id="1" name=""/>
+        <p:cNvGrpSpPr/>
+        <p:nvPr/>
+      </p:nvGrpSpPr>
+      <p:grpSpPr>
+        <a:xfrm>
+          <a:off x="0" y="0"/>
+          <a:ext cx="0" cy="0"/>
+          <a:chOff x="0" y="0"/>
+          <a:chExt cx="0" cy="0"/>
+        </a:xfrm>
+      </p:grpSpPr>
+      <p:sp>
+        <p:nvSpPr>
+          <p:cNvPr id="2" name="Title 1"/>
+          <p:cNvSpPr>
+            <a:spLocks noGrp="1"/>
+          </p:cNvSpPr>
+          <p:nvPr>
+            <p:ph type="title"/>
+          </p:nvPr>
+        </p:nvSpPr>
+        <p:spPr>
+          <a:xfrm>
+            <a:off x="5638800" y="381000"/>
+            <a:ext cx="3008313" cy="762000"/>
+          </a:xfrm>
+        </p:spPr>
+        <p:txBody>
+          <a:bodyPr/>
+          <a:lstStyle/>
+          <a:p>
+            <a:pPr algn="ctr"/>
+            <a:r>
+              <a:rPr lang="en-US" dirty="0" smtClean="0"/>
+              <a:t>Navigation</a:t>
+            </a:r>
+            <a:endParaRPr lang="en-US" dirty="0"/>
+          </a:p>
+        </p:txBody>
+      </p:sp>
+      <p:sp>
+        <p:nvSpPr>
+          <p:cNvPr id="4" name="Text Placeholder 3"/>
+          <p:cNvSpPr>
+            <a:spLocks noGrp="1"/>
+          </p:cNvSpPr>
+          <p:nvPr>
+            <p:ph type="body" sz="half" idx="2"/>
+          </p:nvPr>
+        </p:nvSpPr>
+        <p:spPr>
+          <a:xfrm>
+            <a:off x="5638800" y="1295400"/>
+            <a:ext cx="3008313" cy="4995863"/>
+          </a:xfrm>
+        </p:spPr>
+        <p:txBody>
+          <a:bodyPr/>
+          <a:lstStyle/>
+          <a:p>
+            <a:r>
+              <a:rPr lang="en-US" dirty="0" smtClean="0"/>
+              <a:t>Even though the site is fully interactive, it is still easy to navigate. All the links are named. There is an indicator to tell you what page you’re on. Every page has a link to all the other pages.</a:t>
+            </a:r>
+          </a:p>
+          <a:p>
+            <a:endParaRPr lang="en-US" dirty="0" smtClean="0"/>
+          </a:p>
+          <a:p>
+            <a:r>
+              <a:rPr lang="en-US" dirty="0" smtClean="0"/>
+              <a:t>However, for a more professional look, there is a link to see ‘Behind the Bar’. This is basically a more conventional site. This page is definitely more professional looking. It has tabs with even more information, and even a link to return to the bar interface.</a:t>
+            </a:r>
+            <a:endParaRPr lang="en-US" dirty="0"/>
+          </a:p>
+        </p:txBody>
+      </p:sp>
+      <p:pic>
+        <p:nvPicPr>
+          <p:cNvPr id="7170" name="Picture 2" descr="C:\Users\Phil\Pictures\Cogs 187\LoungeLizardNavigation1.jpg"/>
+          <p:cNvPicPr>
+            <a:picLocks noChangeAspect="1" noChangeArrowheads="1"/>
+          </p:cNvPicPr>
+          <p:nvPr/>
+        </p:nvPicPr>
+        <p:blipFill>
+          <a:blip r:embed="rId2" cstate="print"/>
+          <a:srcRect/>
+          <a:stretch>
+            <a:fillRect/>
+          </a:stretch>
+        </p:blipFill>
+        <p:spPr bwMode="auto">
+          <a:xfrm>
+            <a:off x="228600" y="1219200"/>
+            <a:ext cx="5263775" cy="4026762"/>
           </a:xfrm>
           <a:prstGeom prst="rect">
             <a:avLst/>
@@ -5294,6 +7521,13 @@
   <p:clrMapOvr>
     <a:masterClrMapping/>
   </p:clrMapOvr>
+  <p:timing>
+    <p:tnLst>
+      <p:par>
+        <p:cTn id="1" dur="indefinite" restart="never" nodeType="tmRoot"/>
+      </p:par>
+    </p:tnLst>
+  </p:timing>
 </p:sld>
 </file>
 
@@ -5514,6 +7748,13 @@
   <p:clrMapOvr>
     <a:masterClrMapping/>
   </p:clrMapOvr>
+  <p:timing>
+    <p:tnLst>
+      <p:par>
+        <p:cTn id="1" dur="indefinite" restart="never" nodeType="tmRoot"/>
+      </p:par>
+    </p:tnLst>
+  </p:timing>
 </p:sld>
 </file>
 
@@ -5652,6 +7893,13 @@
   <p:clrMapOvr>
     <a:masterClrMapping/>
   </p:clrMapOvr>
+  <p:timing>
+    <p:tnLst>
+      <p:par>
+        <p:cTn id="1" dur="indefinite" restart="never" nodeType="tmRoot"/>
+      </p:par>
+    </p:tnLst>
+  </p:timing>
 </p:sld>
 </file>
 
@@ -5948,6 +8196,13 @@
   <p:clrMapOvr>
     <a:masterClrMapping/>
   </p:clrMapOvr>
+  <p:timing>
+    <p:tnLst>
+      <p:par>
+        <p:cTn id="1" dur="indefinite" restart="never" nodeType="tmRoot"/>
+      </p:par>
+    </p:tnLst>
+  </p:timing>
 </p:sld>
 </file>
 
@@ -5985,7 +8240,7 @@
           <a:p>
             <a:r>
               <a:rPr lang="en-US" dirty="0" smtClean="0"/>
-              <a:t>Muse</a:t>
+              <a:t>2) Muse</a:t>
             </a:r>
             <a:endParaRPr lang="en-US" dirty="0"/>
           </a:p>
@@ -6055,6 +8310,13 @@
   <p:clrMapOvr>
     <a:masterClrMapping/>
   </p:clrMapOvr>
+  <p:timing>
+    <p:tnLst>
+      <p:par>
+        <p:cTn id="1" dur="indefinite" restart="never" nodeType="tmRoot"/>
+      </p:par>
+    </p:tnLst>
+  </p:timing>
 </p:sld>
 </file>
 
@@ -6140,19 +8402,47 @@
           <a:p>
             <a:r>
               <a:rPr lang="en-US" dirty="0" smtClean="0"/>
-              <a:t>Professional -  The amount of info shows how prestigious they are.</a:t>
-            </a:r>
-          </a:p>
-          <a:p>
+              <a:t>Professional -  </a:t>
+            </a:r>
+            <a:r>
+              <a:rPr lang="en-US" dirty="0" smtClean="0"/>
+              <a:t>They have loads of information, even archives. </a:t>
+            </a:r>
             <a:endParaRPr lang="en-US" dirty="0" smtClean="0"/>
           </a:p>
           <a:p>
-            <a:r>
-              <a:rPr lang="en-US" dirty="0" smtClean="0"/>
-              <a:t>Social – Inviting you to become a member, join the forums, check out photos/videos, etc.</a:t>
-            </a:r>
-          </a:p>
-          <a:p>
+            <a:endParaRPr lang="en-US" dirty="0" smtClean="0"/>
+          </a:p>
+          <a:p>
+            <a:r>
+              <a:rPr lang="en-US" dirty="0" smtClean="0"/>
+              <a:t>Social – Inviting you to become a member, join the forums, check out photos/videos, etc</a:t>
+            </a:r>
+            <a:r>
+              <a:rPr lang="en-US" dirty="0" smtClean="0"/>
+              <a:t>.</a:t>
+            </a:r>
+          </a:p>
+          <a:p>
+            <a:endParaRPr lang="en-US" dirty="0" smtClean="0"/>
+          </a:p>
+          <a:p>
+            <a:r>
+              <a:rPr lang="en-US" dirty="0" smtClean="0"/>
+              <a:t>Prestigious – The fac</a:t>
+            </a:r>
+            <a:r>
+              <a:rPr lang="en-US" dirty="0" smtClean="0"/>
+              <a:t>t that the can fill a Power </a:t>
+            </a:r>
+            <a:r>
+              <a:rPr lang="en-US" dirty="0" smtClean="0"/>
+              <a:t>G</a:t>
+            </a:r>
+            <a:r>
+              <a:rPr lang="en-US" dirty="0" smtClean="0"/>
+              <a:t>rid  layout means that they have a lot of media and experience in making music.</a:t>
+            </a:r>
             <a:endParaRPr lang="en-US" dirty="0" smtClean="0"/>
           </a:p>
           <a:p>
@@ -6253,6 +8543,13 @@
   <p:clrMapOvr>
     <a:masterClrMapping/>
   </p:clrMapOvr>
+  <p:timing>
+    <p:tnLst>
+      <p:par>
+        <p:cTn id="1" dur="indefinite" restart="never" nodeType="tmRoot"/>
+      </p:par>
+    </p:tnLst>
+  </p:timing>
 </p:sld>
 </file>
 
@@ -6347,11 +8644,7 @@
             <a:pPr algn="just"/>
             <a:r>
               <a:rPr lang="en-US" dirty="0" smtClean="0"/>
-              <a:t>Every picture </a:t>
-            </a:r>
-            <a:r>
-              <a:rPr lang="en-US" dirty="0" smtClean="0"/>
-              <a:t>on the right-hand side can be selected to view that piece of media.</a:t>
+              <a:t>Every picture on the right-hand side can be selected to view that piece of media.</a:t>
             </a:r>
           </a:p>
           <a:p>
@@ -6375,7 +8668,6 @@
               <a:rPr lang="en-US" dirty="0" smtClean="0"/>
               <a:t>This makes viewing every form of media easy.</a:t>
             </a:r>
-            <a:endParaRPr lang="en-US" dirty="0" smtClean="0"/>
           </a:p>
         </p:txBody>
       </p:sp>
@@ -6606,6 +8898,13 @@
   <p:clrMapOvr>
     <a:masterClrMapping/>
   </p:clrMapOvr>
+  <p:timing>
+    <p:tnLst>
+      <p:par>
+        <p:cTn id="1" dur="indefinite" restart="never" nodeType="tmRoot"/>
+      </p:par>
+    </p:tnLst>
+  </p:timing>
 </p:sld>
 </file>
 
